--- a/other/Presentation-Lars.pptx
+++ b/other/Presentation-Lars.pptx
@@ -4,12 +4,32 @@
   <p:sldMasterIdLst>
     <p:sldMasterId id="2147483660" r:id="rId1"/>
   </p:sldMasterIdLst>
+  <p:notesMasterIdLst>
+    <p:notesMasterId r:id="rId24"/>
+  </p:notesMasterIdLst>
   <p:sldIdLst>
     <p:sldId id="256" r:id="rId2"/>
     <p:sldId id="257" r:id="rId3"/>
     <p:sldId id="260" r:id="rId4"/>
     <p:sldId id="258" r:id="rId5"/>
     <p:sldId id="259" r:id="rId6"/>
+    <p:sldId id="261" r:id="rId7"/>
+    <p:sldId id="262" r:id="rId8"/>
+    <p:sldId id="263" r:id="rId9"/>
+    <p:sldId id="264" r:id="rId10"/>
+    <p:sldId id="265" r:id="rId11"/>
+    <p:sldId id="266" r:id="rId12"/>
+    <p:sldId id="267" r:id="rId13"/>
+    <p:sldId id="268" r:id="rId14"/>
+    <p:sldId id="273" r:id="rId15"/>
+    <p:sldId id="274" r:id="rId16"/>
+    <p:sldId id="275" r:id="rId17"/>
+    <p:sldId id="276" r:id="rId18"/>
+    <p:sldId id="269" r:id="rId19"/>
+    <p:sldId id="271" r:id="rId20"/>
+    <p:sldId id="272" r:id="rId21"/>
+    <p:sldId id="277" r:id="rId22"/>
+    <p:sldId id="278" r:id="rId23"/>
   </p:sldIdLst>
   <p:sldSz cx="9144000" cy="6858000" type="screen4x3"/>
   <p:notesSz cx="6858000" cy="9144000"/>
@@ -218,11 +238,11 @@
           <c:showBubbleSize val="0"/>
         </c:dLbls>
         <c:gapWidth val="150"/>
-        <c:axId val="34121984"/>
-        <c:axId val="34182656"/>
+        <c:axId val="105947904"/>
+        <c:axId val="105949440"/>
       </c:barChart>
       <c:catAx>
-        <c:axId val="34121984"/>
+        <c:axId val="105947904"/>
         <c:scaling>
           <c:orientation val="minMax"/>
         </c:scaling>
@@ -232,7 +252,7 @@
         <c:majorTickMark val="out"/>
         <c:minorTickMark val="none"/>
         <c:tickLblPos val="nextTo"/>
-        <c:crossAx val="34182656"/>
+        <c:crossAx val="105949440"/>
         <c:crosses val="autoZero"/>
         <c:auto val="1"/>
         <c:lblAlgn val="ctr"/>
@@ -240,7 +260,7 @@
         <c:noMultiLvlLbl val="0"/>
       </c:catAx>
       <c:valAx>
-        <c:axId val="34182656"/>
+        <c:axId val="105949440"/>
         <c:scaling>
           <c:orientation val="minMax"/>
         </c:scaling>
@@ -251,7 +271,7 @@
         <c:majorTickMark val="out"/>
         <c:minorTickMark val="none"/>
         <c:tickLblPos val="nextTo"/>
-        <c:crossAx val="34121984"/>
+        <c:crossAx val="105947904"/>
         <c:crosses val="autoZero"/>
         <c:crossBetween val="between"/>
       </c:valAx>
@@ -274,6 +294,871 @@
     <c:autoUpdate val="0"/>
   </c:externalData>
 </c:chartSpace>
+</file>
+
+<file path=ppt/notesMasters/notesMaster1.xml><?xml version="1.0" encoding="utf-8"?>
+<p:notesMaster xmlns:a="http://schemas.openxmlformats.org/drawingml/2006/main" xmlns:r="http://schemas.openxmlformats.org/officeDocument/2006/relationships" xmlns:p="http://schemas.openxmlformats.org/presentationml/2006/main">
+  <p:cSld>
+    <p:bg>
+      <p:bgRef idx="1001">
+        <a:schemeClr val="bg1"/>
+      </p:bgRef>
+    </p:bg>
+    <p:spTree>
+      <p:nvGrpSpPr>
+        <p:cNvPr id="1" name=""/>
+        <p:cNvGrpSpPr/>
+        <p:nvPr/>
+      </p:nvGrpSpPr>
+      <p:grpSpPr>
+        <a:xfrm>
+          <a:off x="0" y="0"/>
+          <a:ext cx="0" cy="0"/>
+          <a:chOff x="0" y="0"/>
+          <a:chExt cx="0" cy="0"/>
+        </a:xfrm>
+      </p:grpSpPr>
+      <p:sp>
+        <p:nvSpPr>
+          <p:cNvPr id="2" name="Header Placeholder 1"/>
+          <p:cNvSpPr>
+            <a:spLocks noGrp="1"/>
+          </p:cNvSpPr>
+          <p:nvPr>
+            <p:ph type="hdr" sz="quarter"/>
+          </p:nvPr>
+        </p:nvSpPr>
+        <p:spPr>
+          <a:xfrm>
+            <a:off x="0" y="0"/>
+            <a:ext cx="2971800" cy="457200"/>
+          </a:xfrm>
+          <a:prstGeom prst="rect">
+            <a:avLst/>
+          </a:prstGeom>
+        </p:spPr>
+        <p:txBody>
+          <a:bodyPr vert="horz" lIns="91440" tIns="45720" rIns="91440" bIns="45720" rtlCol="0"/>
+          <a:lstStyle>
+            <a:lvl1pPr algn="l">
+              <a:defRPr sz="1200"/>
+            </a:lvl1pPr>
+          </a:lstStyle>
+          <a:p>
+            <a:endParaRPr lang="da-DK"/>
+          </a:p>
+        </p:txBody>
+      </p:sp>
+      <p:sp>
+        <p:nvSpPr>
+          <p:cNvPr id="3" name="Date Placeholder 2"/>
+          <p:cNvSpPr>
+            <a:spLocks noGrp="1"/>
+          </p:cNvSpPr>
+          <p:nvPr>
+            <p:ph type="dt" idx="1"/>
+          </p:nvPr>
+        </p:nvSpPr>
+        <p:spPr>
+          <a:xfrm>
+            <a:off x="3884613" y="0"/>
+            <a:ext cx="2971800" cy="457200"/>
+          </a:xfrm>
+          <a:prstGeom prst="rect">
+            <a:avLst/>
+          </a:prstGeom>
+        </p:spPr>
+        <p:txBody>
+          <a:bodyPr vert="horz" lIns="91440" tIns="45720" rIns="91440" bIns="45720" rtlCol="0"/>
+          <a:lstStyle>
+            <a:lvl1pPr algn="r">
+              <a:defRPr sz="1200"/>
+            </a:lvl1pPr>
+          </a:lstStyle>
+          <a:p>
+            <a:fld id="{9E20344C-66EC-49B8-9ABB-3148539C3095}" type="datetimeFigureOut">
+              <a:rPr lang="da-DK" smtClean="0"/>
+              <a:t>13-01-2014</a:t>
+            </a:fld>
+            <a:endParaRPr lang="da-DK"/>
+          </a:p>
+        </p:txBody>
+      </p:sp>
+      <p:sp>
+        <p:nvSpPr>
+          <p:cNvPr id="4" name="Slide Image Placeholder 3"/>
+          <p:cNvSpPr>
+            <a:spLocks noGrp="1" noRot="1" noChangeAspect="1"/>
+          </p:cNvSpPr>
+          <p:nvPr>
+            <p:ph type="sldImg" idx="2"/>
+          </p:nvPr>
+        </p:nvSpPr>
+        <p:spPr>
+          <a:xfrm>
+            <a:off x="1143000" y="685800"/>
+            <a:ext cx="4572000" cy="3429000"/>
+          </a:xfrm>
+          <a:prstGeom prst="rect">
+            <a:avLst/>
+          </a:prstGeom>
+          <a:noFill/>
+          <a:ln w="12700">
+            <a:solidFill>
+              <a:prstClr val="black"/>
+            </a:solidFill>
+          </a:ln>
+        </p:spPr>
+        <p:txBody>
+          <a:bodyPr vert="horz" lIns="91440" tIns="45720" rIns="91440" bIns="45720" rtlCol="0" anchor="ctr"/>
+          <a:lstStyle/>
+          <a:p>
+            <a:endParaRPr lang="da-DK"/>
+          </a:p>
+        </p:txBody>
+      </p:sp>
+      <p:sp>
+        <p:nvSpPr>
+          <p:cNvPr id="5" name="Notes Placeholder 4"/>
+          <p:cNvSpPr>
+            <a:spLocks noGrp="1"/>
+          </p:cNvSpPr>
+          <p:nvPr>
+            <p:ph type="body" sz="quarter" idx="3"/>
+          </p:nvPr>
+        </p:nvSpPr>
+        <p:spPr>
+          <a:xfrm>
+            <a:off x="685800" y="4343400"/>
+            <a:ext cx="5486400" cy="4114800"/>
+          </a:xfrm>
+          <a:prstGeom prst="rect">
+            <a:avLst/>
+          </a:prstGeom>
+        </p:spPr>
+        <p:txBody>
+          <a:bodyPr vert="horz" lIns="91440" tIns="45720" rIns="91440" bIns="45720" rtlCol="0"/>
+          <a:lstStyle/>
+          <a:p>
+            <a:pPr lvl="0"/>
+            <a:r>
+              <a:rPr lang="en-US" smtClean="0"/>
+              <a:t>Click to edit Master text styles</a:t>
+            </a:r>
+          </a:p>
+          <a:p>
+            <a:pPr lvl="1"/>
+            <a:r>
+              <a:rPr lang="en-US" smtClean="0"/>
+              <a:t>Second level</a:t>
+            </a:r>
+          </a:p>
+          <a:p>
+            <a:pPr lvl="2"/>
+            <a:r>
+              <a:rPr lang="en-US" smtClean="0"/>
+              <a:t>Third level</a:t>
+            </a:r>
+          </a:p>
+          <a:p>
+            <a:pPr lvl="3"/>
+            <a:r>
+              <a:rPr lang="en-US" smtClean="0"/>
+              <a:t>Fourth level</a:t>
+            </a:r>
+          </a:p>
+          <a:p>
+            <a:pPr lvl="4"/>
+            <a:r>
+              <a:rPr lang="en-US" smtClean="0"/>
+              <a:t>Fifth level</a:t>
+            </a:r>
+            <a:endParaRPr lang="da-DK"/>
+          </a:p>
+        </p:txBody>
+      </p:sp>
+      <p:sp>
+        <p:nvSpPr>
+          <p:cNvPr id="6" name="Footer Placeholder 5"/>
+          <p:cNvSpPr>
+            <a:spLocks noGrp="1"/>
+          </p:cNvSpPr>
+          <p:nvPr>
+            <p:ph type="ftr" sz="quarter" idx="4"/>
+          </p:nvPr>
+        </p:nvSpPr>
+        <p:spPr>
+          <a:xfrm>
+            <a:off x="0" y="8685213"/>
+            <a:ext cx="2971800" cy="457200"/>
+          </a:xfrm>
+          <a:prstGeom prst="rect">
+            <a:avLst/>
+          </a:prstGeom>
+        </p:spPr>
+        <p:txBody>
+          <a:bodyPr vert="horz" lIns="91440" tIns="45720" rIns="91440" bIns="45720" rtlCol="0" anchor="b"/>
+          <a:lstStyle>
+            <a:lvl1pPr algn="l">
+              <a:defRPr sz="1200"/>
+            </a:lvl1pPr>
+          </a:lstStyle>
+          <a:p>
+            <a:endParaRPr lang="da-DK"/>
+          </a:p>
+        </p:txBody>
+      </p:sp>
+      <p:sp>
+        <p:nvSpPr>
+          <p:cNvPr id="7" name="Slide Number Placeholder 6"/>
+          <p:cNvSpPr>
+            <a:spLocks noGrp="1"/>
+          </p:cNvSpPr>
+          <p:nvPr>
+            <p:ph type="sldNum" sz="quarter" idx="5"/>
+          </p:nvPr>
+        </p:nvSpPr>
+        <p:spPr>
+          <a:xfrm>
+            <a:off x="3884613" y="8685213"/>
+            <a:ext cx="2971800" cy="457200"/>
+          </a:xfrm>
+          <a:prstGeom prst="rect">
+            <a:avLst/>
+          </a:prstGeom>
+        </p:spPr>
+        <p:txBody>
+          <a:bodyPr vert="horz" lIns="91440" tIns="45720" rIns="91440" bIns="45720" rtlCol="0" anchor="b"/>
+          <a:lstStyle>
+            <a:lvl1pPr algn="r">
+              <a:defRPr sz="1200"/>
+            </a:lvl1pPr>
+          </a:lstStyle>
+          <a:p>
+            <a:fld id="{425B6E1E-4D35-4355-8CCC-D78184DA3599}" type="slidenum">
+              <a:rPr lang="da-DK" smtClean="0"/>
+              <a:t>‹#›</a:t>
+            </a:fld>
+            <a:endParaRPr lang="da-DK"/>
+          </a:p>
+        </p:txBody>
+      </p:sp>
+    </p:spTree>
+    <p:extLst>
+      <p:ext uri="{BB962C8B-B14F-4D97-AF65-F5344CB8AC3E}">
+        <p14:creationId xmlns:p14="http://schemas.microsoft.com/office/powerpoint/2010/main" val="3290459631"/>
+      </p:ext>
+    </p:extLst>
+  </p:cSld>
+  <p:clrMap bg1="lt1" tx1="dk1" bg2="lt2" tx2="dk2" accent1="accent1" accent2="accent2" accent3="accent3" accent4="accent4" accent5="accent5" accent6="accent6" hlink="hlink" folHlink="folHlink"/>
+  <p:notesStyle>
+    <a:lvl1pPr marL="0" algn="l" defTabSz="914400" rtl="0" eaLnBrk="1" latinLnBrk="0" hangingPunct="1">
+      <a:defRPr sz="1200" kern="1200">
+        <a:solidFill>
+          <a:schemeClr val="tx1"/>
+        </a:solidFill>
+        <a:latin typeface="+mn-lt"/>
+        <a:ea typeface="+mn-ea"/>
+        <a:cs typeface="+mn-cs"/>
+      </a:defRPr>
+    </a:lvl1pPr>
+    <a:lvl2pPr marL="457200" algn="l" defTabSz="914400" rtl="0" eaLnBrk="1" latinLnBrk="0" hangingPunct="1">
+      <a:defRPr sz="1200" kern="1200">
+        <a:solidFill>
+          <a:schemeClr val="tx1"/>
+        </a:solidFill>
+        <a:latin typeface="+mn-lt"/>
+        <a:ea typeface="+mn-ea"/>
+        <a:cs typeface="+mn-cs"/>
+      </a:defRPr>
+    </a:lvl2pPr>
+    <a:lvl3pPr marL="914400" algn="l" defTabSz="914400" rtl="0" eaLnBrk="1" latinLnBrk="0" hangingPunct="1">
+      <a:defRPr sz="1200" kern="1200">
+        <a:solidFill>
+          <a:schemeClr val="tx1"/>
+        </a:solidFill>
+        <a:latin typeface="+mn-lt"/>
+        <a:ea typeface="+mn-ea"/>
+        <a:cs typeface="+mn-cs"/>
+      </a:defRPr>
+    </a:lvl3pPr>
+    <a:lvl4pPr marL="1371600" algn="l" defTabSz="914400" rtl="0" eaLnBrk="1" latinLnBrk="0" hangingPunct="1">
+      <a:defRPr sz="1200" kern="1200">
+        <a:solidFill>
+          <a:schemeClr val="tx1"/>
+        </a:solidFill>
+        <a:latin typeface="+mn-lt"/>
+        <a:ea typeface="+mn-ea"/>
+        <a:cs typeface="+mn-cs"/>
+      </a:defRPr>
+    </a:lvl4pPr>
+    <a:lvl5pPr marL="1828800" algn="l" defTabSz="914400" rtl="0" eaLnBrk="1" latinLnBrk="0" hangingPunct="1">
+      <a:defRPr sz="1200" kern="1200">
+        <a:solidFill>
+          <a:schemeClr val="tx1"/>
+        </a:solidFill>
+        <a:latin typeface="+mn-lt"/>
+        <a:ea typeface="+mn-ea"/>
+        <a:cs typeface="+mn-cs"/>
+      </a:defRPr>
+    </a:lvl5pPr>
+    <a:lvl6pPr marL="2286000" algn="l" defTabSz="914400" rtl="0" eaLnBrk="1" latinLnBrk="0" hangingPunct="1">
+      <a:defRPr sz="1200" kern="1200">
+        <a:solidFill>
+          <a:schemeClr val="tx1"/>
+        </a:solidFill>
+        <a:latin typeface="+mn-lt"/>
+        <a:ea typeface="+mn-ea"/>
+        <a:cs typeface="+mn-cs"/>
+      </a:defRPr>
+    </a:lvl6pPr>
+    <a:lvl7pPr marL="2743200" algn="l" defTabSz="914400" rtl="0" eaLnBrk="1" latinLnBrk="0" hangingPunct="1">
+      <a:defRPr sz="1200" kern="1200">
+        <a:solidFill>
+          <a:schemeClr val="tx1"/>
+        </a:solidFill>
+        <a:latin typeface="+mn-lt"/>
+        <a:ea typeface="+mn-ea"/>
+        <a:cs typeface="+mn-cs"/>
+      </a:defRPr>
+    </a:lvl7pPr>
+    <a:lvl8pPr marL="3200400" algn="l" defTabSz="914400" rtl="0" eaLnBrk="1" latinLnBrk="0" hangingPunct="1">
+      <a:defRPr sz="1200" kern="1200">
+        <a:solidFill>
+          <a:schemeClr val="tx1"/>
+        </a:solidFill>
+        <a:latin typeface="+mn-lt"/>
+        <a:ea typeface="+mn-ea"/>
+        <a:cs typeface="+mn-cs"/>
+      </a:defRPr>
+    </a:lvl8pPr>
+    <a:lvl9pPr marL="3657600" algn="l" defTabSz="914400" rtl="0" eaLnBrk="1" latinLnBrk="0" hangingPunct="1">
+      <a:defRPr sz="1200" kern="1200">
+        <a:solidFill>
+          <a:schemeClr val="tx1"/>
+        </a:solidFill>
+        <a:latin typeface="+mn-lt"/>
+        <a:ea typeface="+mn-ea"/>
+        <a:cs typeface="+mn-cs"/>
+      </a:defRPr>
+    </a:lvl9pPr>
+  </p:notesStyle>
+</p:notesMaster>
+</file>
+
+<file path=ppt/notesSlides/notesSlide1.xml><?xml version="1.0" encoding="utf-8"?>
+<p:notes xmlns:a="http://schemas.openxmlformats.org/drawingml/2006/main" xmlns:r="http://schemas.openxmlformats.org/officeDocument/2006/relationships" xmlns:p="http://schemas.openxmlformats.org/presentationml/2006/main">
+  <p:cSld>
+    <p:spTree>
+      <p:nvGrpSpPr>
+        <p:cNvPr id="1" name=""/>
+        <p:cNvGrpSpPr/>
+        <p:nvPr/>
+      </p:nvGrpSpPr>
+      <p:grpSpPr>
+        <a:xfrm>
+          <a:off x="0" y="0"/>
+          <a:ext cx="0" cy="0"/>
+          <a:chOff x="0" y="0"/>
+          <a:chExt cx="0" cy="0"/>
+        </a:xfrm>
+      </p:grpSpPr>
+      <p:sp>
+        <p:nvSpPr>
+          <p:cNvPr id="2" name="Pladsholder til diasbillede 1"/>
+          <p:cNvSpPr>
+            <a:spLocks noGrp="1" noRot="1" noChangeAspect="1"/>
+          </p:cNvSpPr>
+          <p:nvPr>
+            <p:ph type="sldImg"/>
+          </p:nvPr>
+        </p:nvSpPr>
+        <p:spPr/>
+      </p:sp>
+      <p:sp>
+        <p:nvSpPr>
+          <p:cNvPr id="3" name="Pladsholder til noter 2"/>
+          <p:cNvSpPr>
+            <a:spLocks noGrp="1"/>
+          </p:cNvSpPr>
+          <p:nvPr>
+            <p:ph type="body" idx="1"/>
+          </p:nvPr>
+        </p:nvSpPr>
+        <p:spPr/>
+        <p:txBody>
+          <a:bodyPr>
+            <a:normAutofit/>
+          </a:bodyPr>
+          <a:lstStyle/>
+          <a:p>
+            <a:r>
+              <a:rPr lang="en-US" noProof="0" dirty="0" err="1" smtClean="0"/>
+              <a:t>Timeperiod</a:t>
+            </a:r>
+            <a:r>
+              <a:rPr lang="en-US" noProof="0" dirty="0" smtClean="0"/>
+              <a:t> over true</a:t>
+            </a:r>
+          </a:p>
+          <a:p>
+            <a:r>
+              <a:rPr lang="en-US" noProof="0" dirty="0" err="1" smtClean="0"/>
+              <a:t>Timeperiod</a:t>
+            </a:r>
+            <a:r>
+              <a:rPr lang="en-US" noProof="0" dirty="0" smtClean="0"/>
+              <a:t> non-repeat over repeatable</a:t>
+            </a:r>
+          </a:p>
+          <a:p>
+            <a:r>
+              <a:rPr lang="en-US" noProof="0" dirty="0" smtClean="0"/>
+              <a:t>If both the same</a:t>
+            </a:r>
+            <a:r>
+              <a:rPr lang="en-US" baseline="0" noProof="0" dirty="0" smtClean="0"/>
+              <a:t> then access controller</a:t>
+            </a:r>
+            <a:endParaRPr lang="en-US" noProof="0" dirty="0"/>
+          </a:p>
+        </p:txBody>
+      </p:sp>
+      <p:sp>
+        <p:nvSpPr>
+          <p:cNvPr id="4" name="Pladsholder til diasnummer 3"/>
+          <p:cNvSpPr>
+            <a:spLocks noGrp="1"/>
+          </p:cNvSpPr>
+          <p:nvPr>
+            <p:ph type="sldNum" sz="quarter" idx="10"/>
+          </p:nvPr>
+        </p:nvSpPr>
+        <p:spPr/>
+        <p:txBody>
+          <a:bodyPr/>
+          <a:lstStyle/>
+          <a:p>
+            <a:fld id="{579256AD-1A09-4CBD-9906-9A73F7DB110C}" type="slidenum">
+              <a:rPr lang="da-DK" smtClean="0"/>
+              <a:t>8</a:t>
+            </a:fld>
+            <a:endParaRPr lang="da-DK"/>
+          </a:p>
+        </p:txBody>
+      </p:sp>
+    </p:spTree>
+  </p:cSld>
+  <p:clrMapOvr>
+    <a:masterClrMapping/>
+  </p:clrMapOvr>
+</p:notes>
+</file>
+
+<file path=ppt/notesSlides/notesSlide2.xml><?xml version="1.0" encoding="utf-8"?>
+<p:notes xmlns:a="http://schemas.openxmlformats.org/drawingml/2006/main" xmlns:r="http://schemas.openxmlformats.org/officeDocument/2006/relationships" xmlns:p="http://schemas.openxmlformats.org/presentationml/2006/main">
+  <p:cSld>
+    <p:spTree>
+      <p:nvGrpSpPr>
+        <p:cNvPr id="1" name=""/>
+        <p:cNvGrpSpPr/>
+        <p:nvPr/>
+      </p:nvGrpSpPr>
+      <p:grpSpPr>
+        <a:xfrm>
+          <a:off x="0" y="0"/>
+          <a:ext cx="0" cy="0"/>
+          <a:chOff x="0" y="0"/>
+          <a:chExt cx="0" cy="0"/>
+        </a:xfrm>
+      </p:grpSpPr>
+      <p:sp>
+        <p:nvSpPr>
+          <p:cNvPr id="2" name="Pladsholder til diasbillede 1"/>
+          <p:cNvSpPr>
+            <a:spLocks noGrp="1" noRot="1" noChangeAspect="1"/>
+          </p:cNvSpPr>
+          <p:nvPr>
+            <p:ph type="sldImg"/>
+          </p:nvPr>
+        </p:nvSpPr>
+        <p:spPr/>
+      </p:sp>
+      <p:sp>
+        <p:nvSpPr>
+          <p:cNvPr id="3" name="Pladsholder til noter 2"/>
+          <p:cNvSpPr>
+            <a:spLocks noGrp="1"/>
+          </p:cNvSpPr>
+          <p:nvPr>
+            <p:ph type="body" idx="1"/>
+          </p:nvPr>
+        </p:nvSpPr>
+        <p:spPr/>
+        <p:txBody>
+          <a:bodyPr>
+            <a:normAutofit/>
+          </a:bodyPr>
+          <a:lstStyle/>
+          <a:p>
+            <a:r>
+              <a:rPr lang="en-US" sz="1200" kern="1200" baseline="0" noProof="0" dirty="0" smtClean="0">
+                <a:solidFill>
+                  <a:schemeClr val="tx1"/>
+                </a:solidFill>
+                <a:latin typeface="+mn-lt"/>
+                <a:ea typeface="+mn-ea"/>
+                <a:cs typeface="+mn-cs"/>
+              </a:rPr>
+              <a:t>Using main classes (repeat attributes)</a:t>
+            </a:r>
+          </a:p>
+          <a:p>
+            <a:r>
+              <a:rPr lang="en-US" sz="1200" kern="1200" baseline="0" noProof="0" dirty="0" smtClean="0">
+                <a:solidFill>
+                  <a:schemeClr val="tx1"/>
+                </a:solidFill>
+                <a:latin typeface="+mn-lt"/>
+                <a:ea typeface="+mn-ea"/>
+                <a:cs typeface="+mn-cs"/>
+              </a:rPr>
+              <a:t>Using partitioning, (the one used)</a:t>
+            </a:r>
+          </a:p>
+          <a:p>
+            <a:r>
+              <a:rPr lang="da-DK" sz="1200" kern="1200" baseline="0" dirty="0" err="1" smtClean="0">
+                <a:solidFill>
+                  <a:schemeClr val="tx1"/>
+                </a:solidFill>
+                <a:latin typeface="+mn-lt"/>
+                <a:ea typeface="+mn-ea"/>
+                <a:cs typeface="+mn-cs"/>
+              </a:rPr>
+              <a:t>Using</a:t>
+            </a:r>
+            <a:r>
+              <a:rPr lang="da-DK" sz="1200" kern="1200" baseline="0" dirty="0" smtClean="0">
+                <a:solidFill>
+                  <a:schemeClr val="tx1"/>
+                </a:solidFill>
+                <a:latin typeface="+mn-lt"/>
+                <a:ea typeface="+mn-ea"/>
+                <a:cs typeface="+mn-cs"/>
+              </a:rPr>
+              <a:t> </a:t>
+            </a:r>
+            <a:r>
+              <a:rPr lang="da-DK" sz="1200" kern="1200" baseline="0" dirty="0" err="1" smtClean="0">
+                <a:solidFill>
+                  <a:schemeClr val="tx1"/>
+                </a:solidFill>
+                <a:latin typeface="+mn-lt"/>
+                <a:ea typeface="+mn-ea"/>
+                <a:cs typeface="+mn-cs"/>
+              </a:rPr>
+              <a:t>partitioning</a:t>
+            </a:r>
+            <a:r>
+              <a:rPr lang="da-DK" sz="1200" kern="1200" baseline="0" dirty="0" smtClean="0">
+                <a:solidFill>
+                  <a:schemeClr val="tx1"/>
+                </a:solidFill>
+                <a:latin typeface="+mn-lt"/>
+                <a:ea typeface="+mn-ea"/>
+                <a:cs typeface="+mn-cs"/>
+              </a:rPr>
+              <a:t>, (</a:t>
+            </a:r>
+            <a:r>
+              <a:rPr lang="da-DK" sz="1200" kern="1200" baseline="0" dirty="0" err="1" smtClean="0">
+                <a:solidFill>
+                  <a:schemeClr val="tx1"/>
+                </a:solidFill>
+                <a:latin typeface="+mn-lt"/>
+                <a:ea typeface="+mn-ea"/>
+                <a:cs typeface="+mn-cs"/>
+              </a:rPr>
+              <a:t>like</a:t>
+            </a:r>
+            <a:r>
+              <a:rPr lang="da-DK" sz="1200" kern="1200" baseline="0" dirty="0" smtClean="0">
+                <a:solidFill>
+                  <a:schemeClr val="tx1"/>
+                </a:solidFill>
+                <a:latin typeface="+mn-lt"/>
+                <a:ea typeface="+mn-ea"/>
+                <a:cs typeface="+mn-cs"/>
+              </a:rPr>
+              <a:t> 1. but all </a:t>
+            </a:r>
+            <a:r>
+              <a:rPr lang="da-DK" sz="1200" kern="1200" baseline="0" dirty="0" err="1" smtClean="0">
+                <a:solidFill>
+                  <a:schemeClr val="tx1"/>
+                </a:solidFill>
+                <a:latin typeface="+mn-lt"/>
+                <a:ea typeface="+mn-ea"/>
+                <a:cs typeface="+mn-cs"/>
+              </a:rPr>
+              <a:t>tubles</a:t>
+            </a:r>
+            <a:r>
+              <a:rPr lang="da-DK" sz="1200" kern="1200" baseline="0" dirty="0" smtClean="0">
+                <a:solidFill>
+                  <a:schemeClr val="tx1"/>
+                </a:solidFill>
+                <a:latin typeface="+mn-lt"/>
+                <a:ea typeface="+mn-ea"/>
+                <a:cs typeface="+mn-cs"/>
+              </a:rPr>
+              <a:t> is in </a:t>
+            </a:r>
+            <a:r>
+              <a:rPr lang="da-DK" sz="1200" kern="1200" baseline="0" dirty="0" err="1" smtClean="0">
+                <a:solidFill>
+                  <a:schemeClr val="tx1"/>
+                </a:solidFill>
+                <a:latin typeface="+mn-lt"/>
+                <a:ea typeface="+mn-ea"/>
+                <a:cs typeface="+mn-cs"/>
+              </a:rPr>
+              <a:t>cond</a:t>
+            </a:r>
+            <a:r>
+              <a:rPr lang="da-DK" sz="1200" kern="1200" baseline="0" dirty="0" smtClean="0">
+                <a:solidFill>
+                  <a:schemeClr val="tx1"/>
+                </a:solidFill>
+                <a:latin typeface="+mn-lt"/>
+                <a:ea typeface="+mn-ea"/>
+                <a:cs typeface="+mn-cs"/>
+              </a:rPr>
+              <a:t> </a:t>
+            </a:r>
+            <a:r>
+              <a:rPr lang="da-DK" sz="1200" kern="1200" baseline="0" dirty="0" err="1" smtClean="0">
+                <a:solidFill>
+                  <a:schemeClr val="tx1"/>
+                </a:solidFill>
+                <a:latin typeface="+mn-lt"/>
+                <a:ea typeface="+mn-ea"/>
+                <a:cs typeface="+mn-cs"/>
+              </a:rPr>
+              <a:t>-reduncancy</a:t>
+            </a:r>
+            <a:r>
+              <a:rPr lang="da-DK" sz="1200" kern="1200" baseline="0" dirty="0" smtClean="0">
+                <a:solidFill>
+                  <a:schemeClr val="tx1"/>
+                </a:solidFill>
+                <a:latin typeface="+mn-lt"/>
+                <a:ea typeface="+mn-ea"/>
+                <a:cs typeface="+mn-cs"/>
+              </a:rPr>
+              <a:t> </a:t>
+            </a:r>
+            <a:r>
+              <a:rPr lang="da-DK" sz="1200" kern="1200" baseline="0" dirty="0" err="1" smtClean="0">
+                <a:solidFill>
+                  <a:schemeClr val="tx1"/>
+                </a:solidFill>
+                <a:latin typeface="+mn-lt"/>
+                <a:ea typeface="+mn-ea"/>
+                <a:cs typeface="+mn-cs"/>
+              </a:rPr>
+              <a:t>attributes</a:t>
+            </a:r>
+            <a:r>
+              <a:rPr lang="da-DK" sz="1200" kern="1200" baseline="0" dirty="0" smtClean="0">
+                <a:solidFill>
+                  <a:schemeClr val="tx1"/>
+                </a:solidFill>
+                <a:latin typeface="+mn-lt"/>
+                <a:ea typeface="+mn-ea"/>
+                <a:cs typeface="+mn-cs"/>
+              </a:rPr>
+              <a:t> in the </a:t>
+            </a:r>
+            <a:r>
+              <a:rPr lang="da-DK" sz="1200" kern="1200" baseline="0" dirty="0" err="1" smtClean="0">
+                <a:solidFill>
+                  <a:schemeClr val="tx1"/>
+                </a:solidFill>
+                <a:latin typeface="+mn-lt"/>
+                <a:ea typeface="+mn-ea"/>
+                <a:cs typeface="+mn-cs"/>
+              </a:rPr>
+              <a:t>tables</a:t>
+            </a:r>
+            <a:r>
+              <a:rPr lang="da-DK" sz="1200" kern="1200" baseline="0" dirty="0" smtClean="0">
+                <a:solidFill>
+                  <a:schemeClr val="tx1"/>
+                </a:solidFill>
+                <a:latin typeface="+mn-lt"/>
+                <a:ea typeface="+mn-ea"/>
+                <a:cs typeface="+mn-cs"/>
+              </a:rPr>
+              <a:t>)</a:t>
+            </a:r>
+          </a:p>
+          <a:p>
+            <a:r>
+              <a:rPr lang="da-DK" sz="1200" kern="1200" baseline="0" noProof="0" dirty="0" err="1" smtClean="0">
+                <a:solidFill>
+                  <a:schemeClr val="tx1"/>
+                </a:solidFill>
+                <a:latin typeface="+mn-lt"/>
+                <a:ea typeface="+mn-ea"/>
+                <a:cs typeface="+mn-cs"/>
+              </a:rPr>
+              <a:t>Using</a:t>
+            </a:r>
+            <a:r>
+              <a:rPr lang="da-DK" sz="1200" kern="1200" baseline="0" noProof="0" dirty="0" smtClean="0">
+                <a:solidFill>
+                  <a:schemeClr val="tx1"/>
+                </a:solidFill>
+                <a:latin typeface="+mn-lt"/>
+                <a:ea typeface="+mn-ea"/>
+                <a:cs typeface="+mn-cs"/>
+              </a:rPr>
+              <a:t> single relation, all </a:t>
+            </a:r>
+            <a:r>
+              <a:rPr lang="da-DK" sz="1200" kern="1200" baseline="0" noProof="0" dirty="0" err="1" smtClean="0">
+                <a:solidFill>
+                  <a:schemeClr val="tx1"/>
+                </a:solidFill>
+                <a:latin typeface="+mn-lt"/>
+                <a:ea typeface="+mn-ea"/>
+                <a:cs typeface="+mn-cs"/>
+              </a:rPr>
+              <a:t>attributes</a:t>
+            </a:r>
+            <a:r>
+              <a:rPr lang="da-DK" sz="1200" kern="1200" baseline="0" noProof="0" dirty="0" smtClean="0">
+                <a:solidFill>
+                  <a:schemeClr val="tx1"/>
+                </a:solidFill>
+                <a:latin typeface="+mn-lt"/>
+                <a:ea typeface="+mn-ea"/>
+                <a:cs typeface="+mn-cs"/>
+              </a:rPr>
+              <a:t> in </a:t>
+            </a:r>
+            <a:r>
+              <a:rPr lang="da-DK" sz="1200" kern="1200" baseline="0" noProof="0" dirty="0" err="1" smtClean="0">
+                <a:solidFill>
+                  <a:schemeClr val="tx1"/>
+                </a:solidFill>
+                <a:latin typeface="+mn-lt"/>
+                <a:ea typeface="+mn-ea"/>
+                <a:cs typeface="+mn-cs"/>
+              </a:rPr>
+              <a:t>one</a:t>
+            </a:r>
+            <a:r>
+              <a:rPr lang="da-DK" sz="1200" kern="1200" baseline="0" noProof="0" dirty="0" smtClean="0">
+                <a:solidFill>
+                  <a:schemeClr val="tx1"/>
+                </a:solidFill>
+                <a:latin typeface="+mn-lt"/>
+                <a:ea typeface="+mn-ea"/>
+                <a:cs typeface="+mn-cs"/>
+              </a:rPr>
+              <a:t> relation – </a:t>
+            </a:r>
+            <a:r>
+              <a:rPr lang="da-DK" sz="1200" kern="1200" baseline="0" noProof="0" dirty="0" err="1" smtClean="0">
+                <a:solidFill>
+                  <a:schemeClr val="tx1"/>
+                </a:solidFill>
+                <a:latin typeface="+mn-lt"/>
+                <a:ea typeface="+mn-ea"/>
+                <a:cs typeface="+mn-cs"/>
+              </a:rPr>
+              <a:t>alot</a:t>
+            </a:r>
+            <a:r>
+              <a:rPr lang="da-DK" sz="1200" kern="1200" baseline="0" noProof="0" dirty="0" smtClean="0">
+                <a:solidFill>
+                  <a:schemeClr val="tx1"/>
+                </a:solidFill>
+                <a:latin typeface="+mn-lt"/>
+                <a:ea typeface="+mn-ea"/>
+                <a:cs typeface="+mn-cs"/>
+              </a:rPr>
+              <a:t> of </a:t>
+            </a:r>
+            <a:r>
+              <a:rPr lang="da-DK" sz="1200" kern="1200" baseline="0" noProof="0" dirty="0" err="1" smtClean="0">
+                <a:solidFill>
+                  <a:schemeClr val="tx1"/>
+                </a:solidFill>
+                <a:latin typeface="+mn-lt"/>
+                <a:ea typeface="+mn-ea"/>
+                <a:cs typeface="+mn-cs"/>
+              </a:rPr>
+              <a:t>null</a:t>
+            </a:r>
+            <a:r>
+              <a:rPr lang="da-DK" sz="1200" kern="1200" baseline="0" noProof="0" dirty="0" smtClean="0">
+                <a:solidFill>
+                  <a:schemeClr val="tx1"/>
+                </a:solidFill>
+                <a:latin typeface="+mn-lt"/>
+                <a:ea typeface="+mn-ea"/>
+                <a:cs typeface="+mn-cs"/>
+              </a:rPr>
+              <a:t> </a:t>
+            </a:r>
+            <a:r>
+              <a:rPr lang="da-DK" sz="1200" kern="1200" baseline="0" noProof="0" dirty="0" err="1" smtClean="0">
+                <a:solidFill>
+                  <a:schemeClr val="tx1"/>
+                </a:solidFill>
+                <a:latin typeface="+mn-lt"/>
+                <a:ea typeface="+mn-ea"/>
+                <a:cs typeface="+mn-cs"/>
+              </a:rPr>
+              <a:t>values</a:t>
+            </a:r>
+            <a:endParaRPr lang="en-US" noProof="0" dirty="0"/>
+          </a:p>
+        </p:txBody>
+      </p:sp>
+      <p:sp>
+        <p:nvSpPr>
+          <p:cNvPr id="4" name="Pladsholder til diasnummer 3"/>
+          <p:cNvSpPr>
+            <a:spLocks noGrp="1"/>
+          </p:cNvSpPr>
+          <p:nvPr>
+            <p:ph type="sldNum" sz="quarter" idx="10"/>
+          </p:nvPr>
+        </p:nvSpPr>
+        <p:spPr/>
+        <p:txBody>
+          <a:bodyPr/>
+          <a:lstStyle/>
+          <a:p>
+            <a:fld id="{579256AD-1A09-4CBD-9906-9A73F7DB110C}" type="slidenum">
+              <a:rPr lang="da-DK" smtClean="0"/>
+              <a:t>10</a:t>
+            </a:fld>
+            <a:endParaRPr lang="da-DK"/>
+          </a:p>
+        </p:txBody>
+      </p:sp>
+    </p:spTree>
+  </p:cSld>
+  <p:clrMapOvr>
+    <a:masterClrMapping/>
+  </p:clrMapOvr>
+</p:notes>
 </file>
 
 <file path=ppt/slideLayouts/slideLayout1.xml><?xml version="1.0" encoding="utf-8"?>
@@ -3033,7 +3918,7 @@
           <a:p>
             <a:fld id="{49CBE235-2281-457C-911B-1A1F160140F1}" type="datetimeFigureOut">
               <a:rPr lang="da-DK" smtClean="0"/>
-              <a:t>12-01-2014</a:t>
+              <a:t>13-01-2014</a:t>
             </a:fld>
             <a:endParaRPr lang="da-DK"/>
           </a:p>
@@ -3318,7 +4203,7 @@
           <a:p>
             <a:fld id="{49CBE235-2281-457C-911B-1A1F160140F1}" type="datetimeFigureOut">
               <a:rPr lang="da-DK" smtClean="0"/>
-              <a:t>12-01-2014</a:t>
+              <a:t>13-01-2014</a:t>
             </a:fld>
             <a:endParaRPr lang="da-DK"/>
           </a:p>
@@ -3493,7 +4378,7 @@
           <a:p>
             <a:fld id="{49CBE235-2281-457C-911B-1A1F160140F1}" type="datetimeFigureOut">
               <a:rPr lang="da-DK" smtClean="0"/>
-              <a:t>12-01-2014</a:t>
+              <a:t>13-01-2014</a:t>
             </a:fld>
             <a:endParaRPr lang="da-DK"/>
           </a:p>
@@ -3658,7 +4543,7 @@
           <a:p>
             <a:fld id="{49CBE235-2281-457C-911B-1A1F160140F1}" type="datetimeFigureOut">
               <a:rPr lang="da-DK" smtClean="0"/>
-              <a:t>12-01-2014</a:t>
+              <a:t>13-01-2014</a:t>
             </a:fld>
             <a:endParaRPr lang="da-DK"/>
           </a:p>
@@ -3899,7 +4784,7 @@
           <a:p>
             <a:fld id="{49CBE235-2281-457C-911B-1A1F160140F1}" type="datetimeFigureOut">
               <a:rPr lang="da-DK" smtClean="0"/>
-              <a:t>12-01-2014</a:t>
+              <a:t>13-01-2014</a:t>
             </a:fld>
             <a:endParaRPr lang="da-DK"/>
           </a:p>
@@ -4012,7 +4897,7 @@
           <a:p>
             <a:fld id="{49CBE235-2281-457C-911B-1A1F160140F1}" type="datetimeFigureOut">
               <a:rPr lang="da-DK" smtClean="0"/>
-              <a:t>12-01-2014</a:t>
+              <a:t>13-01-2014</a:t>
             </a:fld>
             <a:endParaRPr lang="da-DK"/>
           </a:p>
@@ -4551,7 +5436,7 @@
           <a:p>
             <a:fld id="{49CBE235-2281-457C-911B-1A1F160140F1}" type="datetimeFigureOut">
               <a:rPr lang="da-DK" smtClean="0"/>
-              <a:t>12-01-2014</a:t>
+              <a:t>13-01-2014</a:t>
             </a:fld>
             <a:endParaRPr lang="da-DK"/>
           </a:p>
@@ -4664,7 +5549,7 @@
           <a:p>
             <a:fld id="{49CBE235-2281-457C-911B-1A1F160140F1}" type="datetimeFigureOut">
               <a:rPr lang="da-DK" smtClean="0"/>
-              <a:t>12-01-2014</a:t>
+              <a:t>13-01-2014</a:t>
             </a:fld>
             <a:endParaRPr lang="da-DK"/>
           </a:p>
@@ -4754,7 +5639,7 @@
           <a:p>
             <a:fld id="{49CBE235-2281-457C-911B-1A1F160140F1}" type="datetimeFigureOut">
               <a:rPr lang="da-DK" smtClean="0"/>
-              <a:t>12-01-2014</a:t>
+              <a:t>13-01-2014</a:t>
             </a:fld>
             <a:endParaRPr lang="da-DK"/>
           </a:p>
@@ -7405,7 +8290,7 @@
           <a:p>
             <a:fld id="{49CBE235-2281-457C-911B-1A1F160140F1}" type="datetimeFigureOut">
               <a:rPr lang="da-DK" smtClean="0"/>
-              <a:t>12-01-2014</a:t>
+              <a:t>13-01-2014</a:t>
             </a:fld>
             <a:endParaRPr lang="da-DK"/>
           </a:p>
@@ -10617,7 +11502,7 @@
           <a:p>
             <a:fld id="{49CBE235-2281-457C-911B-1A1F160140F1}" type="datetimeFigureOut">
               <a:rPr lang="da-DK" smtClean="0"/>
-              <a:t>12-01-2014</a:t>
+              <a:t>13-01-2014</a:t>
             </a:fld>
             <a:endParaRPr lang="da-DK"/>
           </a:p>
@@ -13439,7 +14324,7 @@
           <a:p>
             <a:fld id="{49CBE235-2281-457C-911B-1A1F160140F1}" type="datetimeFigureOut">
               <a:rPr lang="da-DK" smtClean="0"/>
-              <a:t>12-01-2014</a:t>
+              <a:t>13-01-2014</a:t>
             </a:fld>
             <a:endParaRPr lang="da-DK"/>
           </a:p>
@@ -14018,6 +14903,1541 @@
 </p:sld>
 </file>
 
+<file path=ppt/slides/slide10.xml><?xml version="1.0" encoding="utf-8"?>
+<p:sld xmlns:a="http://schemas.openxmlformats.org/drawingml/2006/main" xmlns:r="http://schemas.openxmlformats.org/officeDocument/2006/relationships" xmlns:p="http://schemas.openxmlformats.org/presentationml/2006/main">
+  <p:cSld>
+    <p:spTree>
+      <p:nvGrpSpPr>
+        <p:cNvPr id="1" name=""/>
+        <p:cNvGrpSpPr/>
+        <p:nvPr/>
+      </p:nvGrpSpPr>
+      <p:grpSpPr>
+        <a:xfrm>
+          <a:off x="0" y="0"/>
+          <a:ext cx="0" cy="0"/>
+          <a:chOff x="0" y="0"/>
+          <a:chExt cx="0" cy="0"/>
+        </a:xfrm>
+      </p:grpSpPr>
+      <p:sp>
+        <p:nvSpPr>
+          <p:cNvPr id="2" name="Titel 1"/>
+          <p:cNvSpPr>
+            <a:spLocks noGrp="1"/>
+          </p:cNvSpPr>
+          <p:nvPr>
+            <p:ph type="title"/>
+          </p:nvPr>
+        </p:nvSpPr>
+        <p:spPr>
+          <a:xfrm>
+            <a:off x="1043490" y="1027664"/>
+            <a:ext cx="7024744" cy="817160"/>
+          </a:xfrm>
+        </p:spPr>
+        <p:txBody>
+          <a:bodyPr/>
+          <a:lstStyle/>
+          <a:p>
+            <a:r>
+              <a:rPr lang="da-DK" dirty="0" err="1" smtClean="0"/>
+              <a:t>Rules</a:t>
+            </a:r>
+            <a:r>
+              <a:rPr lang="da-DK" dirty="0" smtClean="0"/>
+              <a:t> in the Database</a:t>
+            </a:r>
+            <a:endParaRPr lang="da-DK" dirty="0"/>
+          </a:p>
+        </p:txBody>
+      </p:sp>
+      <p:sp>
+        <p:nvSpPr>
+          <p:cNvPr id="5" name="Pladsholder til indhold 4"/>
+          <p:cNvSpPr>
+            <a:spLocks noGrp="1"/>
+          </p:cNvSpPr>
+          <p:nvPr>
+            <p:ph idx="1"/>
+          </p:nvPr>
+        </p:nvSpPr>
+        <p:spPr>
+          <a:xfrm>
+            <a:off x="539552" y="2348880"/>
+            <a:ext cx="2746648" cy="2116831"/>
+          </a:xfrm>
+        </p:spPr>
+        <p:txBody>
+          <a:bodyPr/>
+          <a:lstStyle/>
+          <a:p>
+            <a:r>
+              <a:rPr lang="en-US" dirty="0" smtClean="0"/>
+              <a:t>Mapping rules using partitioning</a:t>
+            </a:r>
+          </a:p>
+          <a:p>
+            <a:endParaRPr lang="en-US" dirty="0"/>
+          </a:p>
+        </p:txBody>
+      </p:sp>
+      <p:pic>
+        <p:nvPicPr>
+          <p:cNvPr id="2051" name="Picture 3" descr="C:\Users\Lisbeth Nielsen\Documents\GitHub\SmartHouse\report\images\databaseDiagram.jpg"/>
+          <p:cNvPicPr>
+            <a:picLocks noChangeAspect="1" noChangeArrowheads="1"/>
+          </p:cNvPicPr>
+          <p:nvPr/>
+        </p:nvPicPr>
+        <p:blipFill>
+          <a:blip r:embed="rId3" cstate="print"/>
+          <a:srcRect r="51610"/>
+          <a:stretch>
+            <a:fillRect/>
+          </a:stretch>
+        </p:blipFill>
+        <p:spPr bwMode="auto">
+          <a:xfrm>
+            <a:off x="4716016" y="1916832"/>
+            <a:ext cx="3704059" cy="4501245"/>
+          </a:xfrm>
+          <a:prstGeom prst="rect">
+            <a:avLst/>
+          </a:prstGeom>
+          <a:noFill/>
+        </p:spPr>
+      </p:pic>
+    </p:spTree>
+    <p:extLst>
+      <p:ext uri="{BB962C8B-B14F-4D97-AF65-F5344CB8AC3E}">
+        <p14:creationId xmlns:p14="http://schemas.microsoft.com/office/powerpoint/2010/main" val="974364473"/>
+      </p:ext>
+    </p:extLst>
+  </p:cSld>
+  <p:clrMapOvr>
+    <a:masterClrMapping/>
+  </p:clrMapOvr>
+  <p:timing>
+    <p:tnLst>
+      <p:par>
+        <p:cTn id="1" dur="indefinite" restart="never" nodeType="tmRoot"/>
+      </p:par>
+    </p:tnLst>
+  </p:timing>
+</p:sld>
+</file>
+
+<file path=ppt/slides/slide11.xml><?xml version="1.0" encoding="utf-8"?>
+<p:sld xmlns:a="http://schemas.openxmlformats.org/drawingml/2006/main" xmlns:r="http://schemas.openxmlformats.org/officeDocument/2006/relationships" xmlns:p="http://schemas.openxmlformats.org/presentationml/2006/main">
+  <p:cSld>
+    <p:spTree>
+      <p:nvGrpSpPr>
+        <p:cNvPr id="1" name=""/>
+        <p:cNvGrpSpPr/>
+        <p:nvPr/>
+      </p:nvGrpSpPr>
+      <p:grpSpPr>
+        <a:xfrm>
+          <a:off x="0" y="0"/>
+          <a:ext cx="0" cy="0"/>
+          <a:chOff x="0" y="0"/>
+          <a:chExt cx="0" cy="0"/>
+        </a:xfrm>
+      </p:grpSpPr>
+      <p:sp>
+        <p:nvSpPr>
+          <p:cNvPr id="2" name="Titel 1"/>
+          <p:cNvSpPr>
+            <a:spLocks noGrp="1"/>
+          </p:cNvSpPr>
+          <p:nvPr>
+            <p:ph type="title"/>
+          </p:nvPr>
+        </p:nvSpPr>
+        <p:spPr/>
+        <p:txBody>
+          <a:bodyPr/>
+          <a:lstStyle/>
+          <a:p>
+            <a:r>
+              <a:rPr lang="da-DK" dirty="0" err="1" smtClean="0"/>
+              <a:t>Rule</a:t>
+            </a:r>
+            <a:r>
+              <a:rPr lang="da-DK" dirty="0" smtClean="0"/>
+              <a:t> in the WEB Interface</a:t>
+            </a:r>
+            <a:endParaRPr lang="da-DK" dirty="0"/>
+          </a:p>
+        </p:txBody>
+      </p:sp>
+      <p:pic>
+        <p:nvPicPr>
+          <p:cNvPr id="5123" name="Picture 3" descr="C:\Users\Lisbeth Nielsen\Documents\GitHub\SmartHouse\report\images\CreateRuleFlowchart.png"/>
+          <p:cNvPicPr>
+            <a:picLocks noChangeAspect="1" noChangeArrowheads="1"/>
+          </p:cNvPicPr>
+          <p:nvPr/>
+        </p:nvPicPr>
+        <p:blipFill>
+          <a:blip r:embed="rId2" cstate="print"/>
+          <a:srcRect/>
+          <a:stretch>
+            <a:fillRect/>
+          </a:stretch>
+        </p:blipFill>
+        <p:spPr bwMode="auto">
+          <a:xfrm>
+            <a:off x="539552" y="2748453"/>
+            <a:ext cx="8064895" cy="2791694"/>
+          </a:xfrm>
+          <a:prstGeom prst="rect">
+            <a:avLst/>
+          </a:prstGeom>
+          <a:noFill/>
+        </p:spPr>
+      </p:pic>
+    </p:spTree>
+    <p:extLst>
+      <p:ext uri="{BB962C8B-B14F-4D97-AF65-F5344CB8AC3E}">
+        <p14:creationId xmlns:p14="http://schemas.microsoft.com/office/powerpoint/2010/main" val="44234592"/>
+      </p:ext>
+    </p:extLst>
+  </p:cSld>
+  <p:clrMapOvr>
+    <a:masterClrMapping/>
+  </p:clrMapOvr>
+  <p:timing>
+    <p:tnLst>
+      <p:par>
+        <p:cTn id="1" dur="indefinite" restart="never" nodeType="tmRoot"/>
+      </p:par>
+    </p:tnLst>
+  </p:timing>
+</p:sld>
+</file>
+
+<file path=ppt/slides/slide12.xml><?xml version="1.0" encoding="utf-8"?>
+<p:sld xmlns:a="http://schemas.openxmlformats.org/drawingml/2006/main" xmlns:r="http://schemas.openxmlformats.org/officeDocument/2006/relationships" xmlns:p="http://schemas.openxmlformats.org/presentationml/2006/main">
+  <p:cSld>
+    <p:spTree>
+      <p:nvGrpSpPr>
+        <p:cNvPr id="1" name=""/>
+        <p:cNvGrpSpPr/>
+        <p:nvPr/>
+      </p:nvGrpSpPr>
+      <p:grpSpPr>
+        <a:xfrm>
+          <a:off x="0" y="0"/>
+          <a:ext cx="0" cy="0"/>
+          <a:chOff x="0" y="0"/>
+          <a:chExt cx="0" cy="0"/>
+        </a:xfrm>
+      </p:grpSpPr>
+      <p:sp>
+        <p:nvSpPr>
+          <p:cNvPr id="2" name="Titel 1"/>
+          <p:cNvSpPr>
+            <a:spLocks noGrp="1"/>
+          </p:cNvSpPr>
+          <p:nvPr>
+            <p:ph type="title"/>
+          </p:nvPr>
+        </p:nvSpPr>
+        <p:spPr/>
+        <p:txBody>
+          <a:bodyPr/>
+          <a:lstStyle/>
+          <a:p>
+            <a:r>
+              <a:rPr lang="da-DK" dirty="0" err="1" smtClean="0"/>
+              <a:t>Rule</a:t>
+            </a:r>
+            <a:r>
+              <a:rPr lang="da-DK" dirty="0" smtClean="0"/>
+              <a:t> in the WEB Interface</a:t>
+            </a:r>
+            <a:endParaRPr lang="da-DK" dirty="0"/>
+          </a:p>
+        </p:txBody>
+      </p:sp>
+      <p:pic>
+        <p:nvPicPr>
+          <p:cNvPr id="4099" name="Picture 3"/>
+          <p:cNvPicPr>
+            <a:picLocks noChangeAspect="1" noChangeArrowheads="1"/>
+          </p:cNvPicPr>
+          <p:nvPr/>
+        </p:nvPicPr>
+        <p:blipFill>
+          <a:blip r:embed="rId2" cstate="print"/>
+          <a:srcRect l="9349" t="17595" r="44714" b="17201"/>
+          <a:stretch>
+            <a:fillRect/>
+          </a:stretch>
+        </p:blipFill>
+        <p:spPr bwMode="auto">
+          <a:xfrm>
+            <a:off x="827584" y="2101783"/>
+            <a:ext cx="7591355" cy="4393498"/>
+          </a:xfrm>
+          <a:prstGeom prst="rect">
+            <a:avLst/>
+          </a:prstGeom>
+          <a:noFill/>
+          <a:ln w="9525">
+            <a:noFill/>
+            <a:miter lim="800000"/>
+            <a:headEnd/>
+            <a:tailEnd/>
+          </a:ln>
+        </p:spPr>
+      </p:pic>
+    </p:spTree>
+    <p:extLst>
+      <p:ext uri="{BB962C8B-B14F-4D97-AF65-F5344CB8AC3E}">
+        <p14:creationId xmlns:p14="http://schemas.microsoft.com/office/powerpoint/2010/main" val="1967485876"/>
+      </p:ext>
+    </p:extLst>
+  </p:cSld>
+  <p:clrMapOvr>
+    <a:masterClrMapping/>
+  </p:clrMapOvr>
+  <p:timing>
+    <p:tnLst>
+      <p:par>
+        <p:cTn id="1" dur="indefinite" restart="never" nodeType="tmRoot"/>
+      </p:par>
+    </p:tnLst>
+  </p:timing>
+</p:sld>
+</file>
+
+<file path=ppt/slides/slide13.xml><?xml version="1.0" encoding="utf-8"?>
+<p:sld xmlns:a="http://schemas.openxmlformats.org/drawingml/2006/main" xmlns:r="http://schemas.openxmlformats.org/officeDocument/2006/relationships" xmlns:p="http://schemas.openxmlformats.org/presentationml/2006/main">
+  <p:cSld>
+    <p:spTree>
+      <p:nvGrpSpPr>
+        <p:cNvPr id="1" name=""/>
+        <p:cNvGrpSpPr/>
+        <p:nvPr/>
+      </p:nvGrpSpPr>
+      <p:grpSpPr>
+        <a:xfrm>
+          <a:off x="0" y="0"/>
+          <a:ext cx="0" cy="0"/>
+          <a:chOff x="0" y="0"/>
+          <a:chExt cx="0" cy="0"/>
+        </a:xfrm>
+      </p:grpSpPr>
+      <p:sp>
+        <p:nvSpPr>
+          <p:cNvPr id="2" name="Titel 1"/>
+          <p:cNvSpPr>
+            <a:spLocks noGrp="1"/>
+          </p:cNvSpPr>
+          <p:nvPr>
+            <p:ph type="title"/>
+          </p:nvPr>
+        </p:nvSpPr>
+        <p:spPr/>
+        <p:txBody>
+          <a:bodyPr/>
+          <a:lstStyle/>
+          <a:p>
+            <a:r>
+              <a:rPr lang="en-US" dirty="0" smtClean="0"/>
+              <a:t>Rule design in the future</a:t>
+            </a:r>
+            <a:endParaRPr lang="en-US" dirty="0"/>
+          </a:p>
+        </p:txBody>
+      </p:sp>
+      <p:sp>
+        <p:nvSpPr>
+          <p:cNvPr id="3" name="Pladsholder til indhold 2"/>
+          <p:cNvSpPr>
+            <a:spLocks noGrp="1"/>
+          </p:cNvSpPr>
+          <p:nvPr>
+            <p:ph idx="1"/>
+          </p:nvPr>
+        </p:nvSpPr>
+        <p:spPr/>
+        <p:txBody>
+          <a:bodyPr>
+            <a:normAutofit lnSpcReduction="10000"/>
+          </a:bodyPr>
+          <a:lstStyle/>
+          <a:p>
+            <a:r>
+              <a:rPr lang="en-US" dirty="0" smtClean="0"/>
+              <a:t>Rule design to the drawing board again</a:t>
+            </a:r>
+          </a:p>
+          <a:p>
+            <a:pPr lvl="1"/>
+            <a:r>
+              <a:rPr lang="en-US" dirty="0" smtClean="0"/>
+              <a:t>All rules should have </a:t>
+            </a:r>
+            <a:r>
+              <a:rPr lang="en-US" dirty="0" smtClean="0"/>
+              <a:t>at least </a:t>
+            </a:r>
+            <a:r>
+              <a:rPr lang="en-US" dirty="0" smtClean="0"/>
+              <a:t>a start date</a:t>
+            </a:r>
+          </a:p>
+          <a:p>
+            <a:pPr lvl="1"/>
+            <a:r>
+              <a:rPr lang="en-US" dirty="0" smtClean="0"/>
+              <a:t>Consider further whether multiple conditions and actions should be allowed or not</a:t>
+            </a:r>
+          </a:p>
+          <a:p>
+            <a:r>
+              <a:rPr lang="en-US" dirty="0" smtClean="0"/>
+              <a:t>Rule overlapping</a:t>
+            </a:r>
+          </a:p>
+          <a:p>
+            <a:pPr lvl="1"/>
+            <a:r>
+              <a:rPr lang="en-US" dirty="0" smtClean="0"/>
+              <a:t>Should it still be allowed to make </a:t>
+            </a:r>
+            <a:r>
+              <a:rPr lang="en-US" dirty="0" smtClean="0"/>
+              <a:t>several </a:t>
+            </a:r>
+            <a:r>
+              <a:rPr lang="en-US" dirty="0" smtClean="0"/>
+              <a:t>overlapping rules? </a:t>
+            </a:r>
+          </a:p>
+          <a:p>
+            <a:pPr lvl="1"/>
+            <a:r>
+              <a:rPr lang="en-US" dirty="0" smtClean="0"/>
+              <a:t>Make the user aware when he makes an overlapping rule</a:t>
+            </a:r>
+          </a:p>
+        </p:txBody>
+      </p:sp>
+    </p:spTree>
+    <p:extLst>
+      <p:ext uri="{BB962C8B-B14F-4D97-AF65-F5344CB8AC3E}">
+        <p14:creationId xmlns:p14="http://schemas.microsoft.com/office/powerpoint/2010/main" val="2091311834"/>
+      </p:ext>
+    </p:extLst>
+  </p:cSld>
+  <p:clrMapOvr>
+    <a:masterClrMapping/>
+  </p:clrMapOvr>
+  <p:timing>
+    <p:tnLst>
+      <p:par>
+        <p:cTn id="1" dur="indefinite" restart="never" nodeType="tmRoot"/>
+      </p:par>
+    </p:tnLst>
+  </p:timing>
+</p:sld>
+</file>
+
+<file path=ppt/slides/slide14.xml><?xml version="1.0" encoding="utf-8"?>
+<p:sld xmlns:a="http://schemas.openxmlformats.org/drawingml/2006/main" xmlns:r="http://schemas.openxmlformats.org/officeDocument/2006/relationships" xmlns:p="http://schemas.openxmlformats.org/presentationml/2006/main">
+  <p:cSld>
+    <p:spTree>
+      <p:nvGrpSpPr>
+        <p:cNvPr id="1" name=""/>
+        <p:cNvGrpSpPr/>
+        <p:nvPr/>
+      </p:nvGrpSpPr>
+      <p:grpSpPr>
+        <a:xfrm>
+          <a:off x="0" y="0"/>
+          <a:ext cx="0" cy="0"/>
+          <a:chOff x="0" y="0"/>
+          <a:chExt cx="0" cy="0"/>
+        </a:xfrm>
+      </p:grpSpPr>
+      <p:sp>
+        <p:nvSpPr>
+          <p:cNvPr id="2" name="Titel 1"/>
+          <p:cNvSpPr>
+            <a:spLocks noGrp="1"/>
+          </p:cNvSpPr>
+          <p:nvPr>
+            <p:ph type="title"/>
+          </p:nvPr>
+        </p:nvSpPr>
+        <p:spPr/>
+        <p:txBody>
+          <a:bodyPr/>
+          <a:lstStyle/>
+          <a:p>
+            <a:r>
+              <a:rPr lang="da-DK" dirty="0" smtClean="0"/>
+              <a:t>The </a:t>
+            </a:r>
+            <a:r>
+              <a:rPr lang="da-DK" dirty="0" err="1" smtClean="0"/>
+              <a:t>Daemon</a:t>
+            </a:r>
+            <a:r>
+              <a:rPr lang="da-DK" dirty="0" smtClean="0"/>
+              <a:t> - Design</a:t>
+            </a:r>
+            <a:endParaRPr lang="en-US" dirty="0"/>
+          </a:p>
+        </p:txBody>
+      </p:sp>
+      <p:sp>
+        <p:nvSpPr>
+          <p:cNvPr id="3" name="Pladsholder til indhold 2"/>
+          <p:cNvSpPr>
+            <a:spLocks noGrp="1"/>
+          </p:cNvSpPr>
+          <p:nvPr>
+            <p:ph idx="1"/>
+          </p:nvPr>
+        </p:nvSpPr>
+        <p:spPr/>
+        <p:txBody>
+          <a:bodyPr>
+            <a:normAutofit fontScale="92500"/>
+          </a:bodyPr>
+          <a:lstStyle/>
+          <a:p>
+            <a:pPr marL="285750"/>
+            <a:r>
+              <a:rPr lang="en-US" dirty="0" smtClean="0"/>
+              <a:t>A Background Service that runs without User </a:t>
+            </a:r>
+            <a:r>
+              <a:rPr lang="en-US" dirty="0" smtClean="0"/>
+              <a:t>input</a:t>
+            </a:r>
+            <a:endParaRPr lang="en-US" dirty="0" smtClean="0"/>
+          </a:p>
+          <a:p>
+            <a:pPr marL="285750"/>
+            <a:r>
+              <a:rPr lang="en-US" dirty="0" smtClean="0"/>
+              <a:t>That activates rules that need to be set off at a certain point in time, once or </a:t>
+            </a:r>
+            <a:r>
+              <a:rPr lang="en-US" dirty="0" smtClean="0"/>
+              <a:t>repeated</a:t>
+            </a:r>
+            <a:endParaRPr lang="en-US" dirty="0" smtClean="0"/>
+          </a:p>
+          <a:p>
+            <a:pPr marL="285750"/>
+            <a:r>
+              <a:rPr lang="en-US" dirty="0" smtClean="0"/>
+              <a:t>Currently only functions to add </a:t>
+            </a:r>
+            <a:r>
+              <a:rPr lang="en-US" dirty="0" smtClean="0"/>
+              <a:t>points</a:t>
+            </a:r>
+            <a:endParaRPr lang="en-US" dirty="0" smtClean="0"/>
+          </a:p>
+          <a:p>
+            <a:pPr marL="285750"/>
+            <a:r>
+              <a:rPr lang="en-US" dirty="0" smtClean="0"/>
+              <a:t>Could be expanded to handle ”Activate Tag” and ”Block Tag</a:t>
+            </a:r>
+            <a:r>
+              <a:rPr lang="en-US" dirty="0" smtClean="0"/>
+              <a:t>”</a:t>
+            </a:r>
+            <a:endParaRPr lang="en-US" dirty="0" smtClean="0"/>
+          </a:p>
+          <a:p>
+            <a:pPr marL="685800" lvl="1"/>
+            <a:r>
+              <a:rPr lang="en-US" dirty="0" smtClean="0"/>
+              <a:t>Implemented with Python as it has this </a:t>
+            </a:r>
+            <a:r>
+              <a:rPr lang="en-US" dirty="0" smtClean="0"/>
+              <a:t>functionality</a:t>
+            </a:r>
+            <a:endParaRPr lang="en-US" dirty="0" smtClean="0"/>
+          </a:p>
+          <a:p>
+            <a:pPr lvl="1"/>
+            <a:endParaRPr lang="en-US" dirty="0"/>
+          </a:p>
+        </p:txBody>
+      </p:sp>
+    </p:spTree>
+    <p:extLst>
+      <p:ext uri="{BB962C8B-B14F-4D97-AF65-F5344CB8AC3E}">
+        <p14:creationId xmlns:p14="http://schemas.microsoft.com/office/powerpoint/2010/main" val="1695811436"/>
+      </p:ext>
+    </p:extLst>
+  </p:cSld>
+  <p:clrMapOvr>
+    <a:masterClrMapping/>
+  </p:clrMapOvr>
+  <p:timing>
+    <p:tnLst>
+      <p:par>
+        <p:cTn id="1" dur="indefinite" restart="never" nodeType="tmRoot"/>
+      </p:par>
+    </p:tnLst>
+  </p:timing>
+</p:sld>
+</file>
+
+<file path=ppt/slides/slide15.xml><?xml version="1.0" encoding="utf-8"?>
+<p:sld xmlns:a="http://schemas.openxmlformats.org/drawingml/2006/main" xmlns:r="http://schemas.openxmlformats.org/officeDocument/2006/relationships" xmlns:p="http://schemas.openxmlformats.org/presentationml/2006/main">
+  <p:cSld>
+    <p:spTree>
+      <p:nvGrpSpPr>
+        <p:cNvPr id="1" name=""/>
+        <p:cNvGrpSpPr/>
+        <p:nvPr/>
+      </p:nvGrpSpPr>
+      <p:grpSpPr>
+        <a:xfrm>
+          <a:off x="0" y="0"/>
+          <a:ext cx="0" cy="0"/>
+          <a:chOff x="0" y="0"/>
+          <a:chExt cx="0" cy="0"/>
+        </a:xfrm>
+      </p:grpSpPr>
+      <p:sp>
+        <p:nvSpPr>
+          <p:cNvPr id="2" name="Titel 1"/>
+          <p:cNvSpPr>
+            <a:spLocks noGrp="1"/>
+          </p:cNvSpPr>
+          <p:nvPr>
+            <p:ph type="title"/>
+          </p:nvPr>
+        </p:nvSpPr>
+        <p:spPr>
+          <a:xfrm>
+            <a:off x="971600" y="8238"/>
+            <a:ext cx="3304572" cy="1463153"/>
+          </a:xfrm>
+        </p:spPr>
+        <p:txBody>
+          <a:bodyPr/>
+          <a:lstStyle/>
+          <a:p>
+            <a:r>
+              <a:rPr lang="da-DK" dirty="0" smtClean="0"/>
+              <a:t>The </a:t>
+            </a:r>
+            <a:r>
+              <a:rPr lang="en-US" dirty="0" smtClean="0"/>
+              <a:t>Daemon</a:t>
+            </a:r>
+            <a:endParaRPr lang="en-US" dirty="0"/>
+          </a:p>
+        </p:txBody>
+      </p:sp>
+      <p:sp>
+        <p:nvSpPr>
+          <p:cNvPr id="3" name="Pladsholder til indhold 2"/>
+          <p:cNvSpPr>
+            <a:spLocks noGrp="1"/>
+          </p:cNvSpPr>
+          <p:nvPr>
+            <p:ph idx="1"/>
+          </p:nvPr>
+        </p:nvSpPr>
+        <p:spPr>
+          <a:xfrm>
+            <a:off x="5580112" y="273050"/>
+            <a:ext cx="3106688" cy="5853113"/>
+          </a:xfrm>
+        </p:spPr>
+        <p:txBody>
+          <a:bodyPr/>
+          <a:lstStyle/>
+          <a:p>
+            <a:endParaRPr lang="da-DK" dirty="0"/>
+          </a:p>
+        </p:txBody>
+      </p:sp>
+      <p:sp>
+        <p:nvSpPr>
+          <p:cNvPr id="4" name="Pladsholder til tekst 3"/>
+          <p:cNvSpPr>
+            <a:spLocks noGrp="1"/>
+          </p:cNvSpPr>
+          <p:nvPr>
+            <p:ph type="body" sz="half" idx="2"/>
+          </p:nvPr>
+        </p:nvSpPr>
+        <p:spPr>
+          <a:xfrm>
+            <a:off x="971600" y="1435100"/>
+            <a:ext cx="3528392" cy="4691063"/>
+          </a:xfrm>
+        </p:spPr>
+        <p:txBody>
+          <a:bodyPr/>
+          <a:lstStyle/>
+          <a:p>
+            <a:r>
+              <a:rPr lang="en-US" dirty="0" smtClean="0"/>
+              <a:t>Example of functionality:</a:t>
+            </a:r>
+          </a:p>
+          <a:p>
+            <a:pPr marL="285750" indent="-285750">
+              <a:buFont typeface="Arial" panose="020B0604020202020204" pitchFamily="34" charset="0"/>
+              <a:buChar char="•"/>
+            </a:pPr>
+            <a:r>
+              <a:rPr lang="en-US" dirty="0" smtClean="0"/>
+              <a:t>Communicates directly with the </a:t>
+            </a:r>
+            <a:r>
+              <a:rPr lang="en-US" dirty="0" smtClean="0"/>
+              <a:t>Database</a:t>
+            </a:r>
+            <a:endParaRPr lang="en-US" dirty="0" smtClean="0"/>
+          </a:p>
+          <a:p>
+            <a:pPr marL="285750" indent="-285750">
+              <a:buFont typeface="Arial" panose="020B0604020202020204" pitchFamily="34" charset="0"/>
+              <a:buChar char="•"/>
+            </a:pPr>
+            <a:r>
+              <a:rPr lang="en-US" dirty="0" smtClean="0"/>
+              <a:t>Checks the rules with:</a:t>
+            </a:r>
+          </a:p>
+          <a:p>
+            <a:pPr marL="742950" lvl="1" indent="-285750">
+              <a:buFont typeface="Arial" panose="020B0604020202020204" pitchFamily="34" charset="0"/>
+              <a:buChar char="•"/>
+            </a:pPr>
+            <a:r>
+              <a:rPr lang="en-US" dirty="0" smtClean="0"/>
+              <a:t>Actions</a:t>
+            </a:r>
+          </a:p>
+          <a:p>
+            <a:pPr marL="742950" lvl="1" indent="-285750">
+              <a:buFont typeface="Arial" panose="020B0604020202020204" pitchFamily="34" charset="0"/>
+              <a:buChar char="•"/>
+            </a:pPr>
+            <a:r>
+              <a:rPr lang="en-US" dirty="0" smtClean="0"/>
+              <a:t>Conditions</a:t>
+            </a:r>
+            <a:endParaRPr lang="da-DK" dirty="0" smtClean="0"/>
+          </a:p>
+          <a:p>
+            <a:pPr marL="742950" lvl="1" indent="-285750">
+              <a:buFont typeface="Arial" panose="020B0604020202020204" pitchFamily="34" charset="0"/>
+              <a:buChar char="•"/>
+            </a:pPr>
+            <a:r>
+              <a:rPr lang="en-US" dirty="0" smtClean="0"/>
+              <a:t>Profiles</a:t>
+            </a:r>
+            <a:endParaRPr lang="en-US" dirty="0" smtClean="0"/>
+          </a:p>
+          <a:p>
+            <a:pPr marL="285750" indent="-285750">
+              <a:buFont typeface="Arial" panose="020B0604020202020204" pitchFamily="34" charset="0"/>
+              <a:buChar char="•"/>
+            </a:pPr>
+            <a:r>
+              <a:rPr lang="en-US" dirty="0" smtClean="0"/>
+              <a:t>Checks every minute</a:t>
+            </a:r>
+          </a:p>
+          <a:p>
+            <a:pPr marL="285750" indent="-285750">
+              <a:buFont typeface="Arial" panose="020B0604020202020204" pitchFamily="34" charset="0"/>
+              <a:buChar char="•"/>
+            </a:pPr>
+            <a:r>
+              <a:rPr lang="en-US" dirty="0" smtClean="0"/>
+              <a:t>The checks are based on from/to time and options to repeat</a:t>
+            </a:r>
+          </a:p>
+          <a:p>
+            <a:pPr marL="742950" lvl="1" indent="-285750">
+              <a:buFont typeface="Arial" panose="020B0604020202020204" pitchFamily="34" charset="0"/>
+              <a:buChar char="•"/>
+            </a:pPr>
+            <a:r>
+              <a:rPr lang="en-US" dirty="0" smtClean="0"/>
+              <a:t>Weekday: Checks with time from/to time on weekdays without repeatability</a:t>
+            </a:r>
+          </a:p>
+          <a:p>
+            <a:pPr marL="742950" lvl="1" indent="-285750">
+              <a:buFont typeface="Arial" panose="020B0604020202020204" pitchFamily="34" charset="0"/>
+              <a:buChar char="•"/>
+            </a:pPr>
+            <a:r>
+              <a:rPr lang="en-US" dirty="0" smtClean="0"/>
+              <a:t>Weekly: Activates based on the difference between the date it starts and the date it checks</a:t>
+            </a:r>
+          </a:p>
+          <a:p>
+            <a:pPr marL="742950" lvl="1" indent="-285750">
+              <a:buFont typeface="Arial" panose="020B0604020202020204" pitchFamily="34" charset="0"/>
+              <a:buChar char="•"/>
+            </a:pPr>
+            <a:r>
+              <a:rPr lang="en-US" dirty="0" smtClean="0"/>
+              <a:t>Last/First of: Activates if the current day is the first or last of a given weekday of the month</a:t>
+            </a:r>
+            <a:endParaRPr lang="en-US" dirty="0" smtClean="0"/>
+          </a:p>
+        </p:txBody>
+      </p:sp>
+      <p:pic>
+        <p:nvPicPr>
+          <p:cNvPr id="1026" name="Picture 2" descr="C:\Users\Jakob Jørgensen\Documents\GitHub\MOM\report\images\daemonflowchart.png"/>
+          <p:cNvPicPr>
+            <a:picLocks noChangeAspect="1" noChangeArrowheads="1"/>
+          </p:cNvPicPr>
+          <p:nvPr/>
+        </p:nvPicPr>
+        <p:blipFill>
+          <a:blip r:embed="rId2" cstate="print">
+            <a:extLst>
+              <a:ext uri="{28A0092B-C50C-407E-A947-70E740481C1C}">
+                <a14:useLocalDpi xmlns:a14="http://schemas.microsoft.com/office/drawing/2010/main" val="0"/>
+              </a:ext>
+            </a:extLst>
+          </a:blip>
+          <a:srcRect/>
+          <a:stretch>
+            <a:fillRect/>
+          </a:stretch>
+        </p:blipFill>
+        <p:spPr bwMode="auto">
+          <a:xfrm>
+            <a:off x="4974908" y="620688"/>
+            <a:ext cx="2805415" cy="5491054"/>
+          </a:xfrm>
+          <a:prstGeom prst="rect">
+            <a:avLst/>
+          </a:prstGeom>
+          <a:noFill/>
+          <a:extLst>
+            <a:ext uri="{909E8E84-426E-40DD-AFC4-6F175D3DCCD1}">
+              <a14:hiddenFill xmlns:a14="http://schemas.microsoft.com/office/drawing/2010/main">
+                <a:solidFill>
+                  <a:srgbClr val="FFFFFF"/>
+                </a:solidFill>
+              </a14:hiddenFill>
+            </a:ext>
+          </a:extLst>
+        </p:spPr>
+      </p:pic>
+    </p:spTree>
+    <p:extLst>
+      <p:ext uri="{BB962C8B-B14F-4D97-AF65-F5344CB8AC3E}">
+        <p14:creationId xmlns:p14="http://schemas.microsoft.com/office/powerpoint/2010/main" val="730585746"/>
+      </p:ext>
+    </p:extLst>
+  </p:cSld>
+  <p:clrMapOvr>
+    <a:masterClrMapping/>
+  </p:clrMapOvr>
+  <p:timing>
+    <p:tnLst>
+      <p:par>
+        <p:cTn id="1" dur="indefinite" restart="never" nodeType="tmRoot"/>
+      </p:par>
+    </p:tnLst>
+  </p:timing>
+</p:sld>
+</file>
+
+<file path=ppt/slides/slide16.xml><?xml version="1.0" encoding="utf-8"?>
+<p:sld xmlns:a="http://schemas.openxmlformats.org/drawingml/2006/main" xmlns:r="http://schemas.openxmlformats.org/officeDocument/2006/relationships" xmlns:p="http://schemas.openxmlformats.org/presentationml/2006/main">
+  <p:cSld>
+    <p:spTree>
+      <p:nvGrpSpPr>
+        <p:cNvPr id="1" name=""/>
+        <p:cNvGrpSpPr/>
+        <p:nvPr/>
+      </p:nvGrpSpPr>
+      <p:grpSpPr>
+        <a:xfrm>
+          <a:off x="0" y="0"/>
+          <a:ext cx="0" cy="0"/>
+          <a:chOff x="0" y="0"/>
+          <a:chExt cx="0" cy="0"/>
+        </a:xfrm>
+      </p:grpSpPr>
+      <p:sp>
+        <p:nvSpPr>
+          <p:cNvPr id="2" name="Titel 1"/>
+          <p:cNvSpPr>
+            <a:spLocks noGrp="1"/>
+          </p:cNvSpPr>
+          <p:nvPr>
+            <p:ph type="title"/>
+          </p:nvPr>
+        </p:nvSpPr>
+        <p:spPr/>
+        <p:txBody>
+          <a:bodyPr>
+            <a:normAutofit/>
+          </a:bodyPr>
+          <a:lstStyle/>
+          <a:p>
+            <a:r>
+              <a:rPr lang="da-DK" dirty="0" smtClean="0"/>
+              <a:t>The API – Design</a:t>
+            </a:r>
+            <a:endParaRPr lang="en-US" dirty="0"/>
+          </a:p>
+        </p:txBody>
+      </p:sp>
+      <p:sp>
+        <p:nvSpPr>
+          <p:cNvPr id="3" name="Pladsholder til indhold 2"/>
+          <p:cNvSpPr>
+            <a:spLocks noGrp="1"/>
+          </p:cNvSpPr>
+          <p:nvPr>
+            <p:ph idx="1"/>
+          </p:nvPr>
+        </p:nvSpPr>
+        <p:spPr/>
+        <p:txBody>
+          <a:bodyPr>
+            <a:normAutofit fontScale="77500" lnSpcReduction="20000"/>
+          </a:bodyPr>
+          <a:lstStyle/>
+          <a:p>
+            <a:r>
+              <a:rPr lang="en-US" sz="2800" dirty="0" smtClean="0"/>
+              <a:t>A middleman between the Database and </a:t>
+            </a:r>
+            <a:r>
+              <a:rPr lang="en-US" sz="2800" dirty="0" smtClean="0"/>
+              <a:t>controller</a:t>
+            </a:r>
+            <a:endParaRPr lang="en-US" sz="2800" dirty="0" smtClean="0"/>
+          </a:p>
+          <a:p>
+            <a:r>
+              <a:rPr lang="en-US" sz="2800" dirty="0" smtClean="0"/>
+              <a:t>Is made to be simple with 3 </a:t>
+            </a:r>
+            <a:r>
+              <a:rPr lang="en-US" sz="2800" dirty="0" smtClean="0"/>
+              <a:t>commands</a:t>
+            </a:r>
+            <a:endParaRPr lang="en-US" sz="2800" dirty="0" smtClean="0"/>
+          </a:p>
+          <a:p>
+            <a:pPr lvl="1"/>
+            <a:r>
+              <a:rPr lang="en-US" sz="2400" dirty="0" smtClean="0"/>
+              <a:t>Get Status: Allows for the controller to check how much time is left or if it needs to turn </a:t>
+            </a:r>
+            <a:r>
+              <a:rPr lang="en-US" sz="2400" dirty="0" smtClean="0"/>
+              <a:t>off</a:t>
+            </a:r>
+            <a:endParaRPr lang="en-US" sz="2400" dirty="0" smtClean="0"/>
+          </a:p>
+          <a:p>
+            <a:pPr marL="457200" lvl="1" indent="0">
+              <a:buNone/>
+            </a:pPr>
+            <a:endParaRPr lang="en-US" sz="2400" dirty="0" smtClean="0"/>
+          </a:p>
+          <a:p>
+            <a:pPr lvl="1"/>
+            <a:r>
+              <a:rPr lang="en-US" sz="2400" dirty="0" err="1" smtClean="0"/>
+              <a:t>TurnOn</a:t>
+            </a:r>
+            <a:r>
+              <a:rPr lang="en-US" sz="2400" dirty="0" smtClean="0"/>
+              <a:t>: Asks permission to turn on. Checks permissions and time </a:t>
+            </a:r>
+            <a:r>
+              <a:rPr lang="en-US" sz="2400" dirty="0" smtClean="0"/>
+              <a:t>remaining</a:t>
+            </a:r>
+            <a:endParaRPr lang="en-US" sz="2400" dirty="0" smtClean="0"/>
+          </a:p>
+          <a:p>
+            <a:pPr marL="457200" lvl="1" indent="0">
+              <a:buNone/>
+            </a:pPr>
+            <a:endParaRPr lang="en-US" sz="2400" dirty="0" smtClean="0"/>
+          </a:p>
+          <a:p>
+            <a:pPr lvl="1"/>
+            <a:r>
+              <a:rPr lang="en-US" sz="2400" dirty="0" err="1" smtClean="0"/>
+              <a:t>TurnOff</a:t>
+            </a:r>
+            <a:r>
+              <a:rPr lang="en-US" sz="2400" dirty="0" smtClean="0"/>
+              <a:t>: Tells the database that the user wants to turn off. Checks if its the user </a:t>
+            </a:r>
+            <a:r>
+              <a:rPr lang="en-US" sz="2400" dirty="0" smtClean="0"/>
+              <a:t>that </a:t>
+            </a:r>
+            <a:r>
+              <a:rPr lang="en-US" sz="2400" dirty="0" smtClean="0"/>
+              <a:t>logged in </a:t>
+            </a:r>
+            <a:r>
+              <a:rPr lang="en-US" sz="2400" dirty="0" smtClean="0"/>
+              <a:t>first</a:t>
+            </a:r>
+            <a:endParaRPr lang="en-US" sz="2400" dirty="0" smtClean="0"/>
+          </a:p>
+        </p:txBody>
+      </p:sp>
+    </p:spTree>
+    <p:extLst>
+      <p:ext uri="{BB962C8B-B14F-4D97-AF65-F5344CB8AC3E}">
+        <p14:creationId xmlns:p14="http://schemas.microsoft.com/office/powerpoint/2010/main" val="106980613"/>
+      </p:ext>
+    </p:extLst>
+  </p:cSld>
+  <p:clrMapOvr>
+    <a:masterClrMapping/>
+  </p:clrMapOvr>
+  <p:timing>
+    <p:tnLst>
+      <p:par>
+        <p:cTn id="1" dur="indefinite" restart="never" nodeType="tmRoot"/>
+      </p:par>
+    </p:tnLst>
+  </p:timing>
+</p:sld>
+</file>
+
+<file path=ppt/slides/slide17.xml><?xml version="1.0" encoding="utf-8"?>
+<p:sld xmlns:a="http://schemas.openxmlformats.org/drawingml/2006/main" xmlns:r="http://schemas.openxmlformats.org/officeDocument/2006/relationships" xmlns:p="http://schemas.openxmlformats.org/presentationml/2006/main">
+  <p:cSld>
+    <p:spTree>
+      <p:nvGrpSpPr>
+        <p:cNvPr id="1" name=""/>
+        <p:cNvGrpSpPr/>
+        <p:nvPr/>
+      </p:nvGrpSpPr>
+      <p:grpSpPr>
+        <a:xfrm>
+          <a:off x="0" y="0"/>
+          <a:ext cx="0" cy="0"/>
+          <a:chOff x="0" y="0"/>
+          <a:chExt cx="0" cy="0"/>
+        </a:xfrm>
+      </p:grpSpPr>
+      <p:sp>
+        <p:nvSpPr>
+          <p:cNvPr id="2" name="Titel 1"/>
+          <p:cNvSpPr>
+            <a:spLocks noGrp="1"/>
+          </p:cNvSpPr>
+          <p:nvPr>
+            <p:ph type="title"/>
+          </p:nvPr>
+        </p:nvSpPr>
+        <p:spPr>
+          <a:xfrm>
+            <a:off x="971600" y="44624"/>
+            <a:ext cx="3304572" cy="1463153"/>
+          </a:xfrm>
+        </p:spPr>
+        <p:txBody>
+          <a:bodyPr/>
+          <a:lstStyle/>
+          <a:p>
+            <a:r>
+              <a:rPr lang="da-DK" dirty="0" smtClean="0"/>
+              <a:t>The API – Implementation</a:t>
+            </a:r>
+            <a:endParaRPr lang="en-US" dirty="0"/>
+          </a:p>
+        </p:txBody>
+      </p:sp>
+      <p:sp>
+        <p:nvSpPr>
+          <p:cNvPr id="3" name="Pladsholder til indhold 2"/>
+          <p:cNvSpPr>
+            <a:spLocks noGrp="1"/>
+          </p:cNvSpPr>
+          <p:nvPr>
+            <p:ph idx="1"/>
+          </p:nvPr>
+        </p:nvSpPr>
+        <p:spPr>
+          <a:xfrm>
+            <a:off x="5508104" y="273050"/>
+            <a:ext cx="3178696" cy="5853113"/>
+          </a:xfrm>
+        </p:spPr>
+        <p:txBody>
+          <a:bodyPr/>
+          <a:lstStyle/>
+          <a:p>
+            <a:endParaRPr lang="en-US" dirty="0"/>
+          </a:p>
+        </p:txBody>
+      </p:sp>
+      <p:sp>
+        <p:nvSpPr>
+          <p:cNvPr id="4" name="Pladsholder til tekst 3"/>
+          <p:cNvSpPr>
+            <a:spLocks noGrp="1"/>
+          </p:cNvSpPr>
+          <p:nvPr>
+            <p:ph type="body" sz="half" idx="2"/>
+          </p:nvPr>
+        </p:nvSpPr>
+        <p:spPr>
+          <a:xfrm>
+            <a:off x="1115616" y="1435100"/>
+            <a:ext cx="3312368" cy="4691063"/>
+          </a:xfrm>
+        </p:spPr>
+        <p:txBody>
+          <a:bodyPr/>
+          <a:lstStyle/>
+          <a:p>
+            <a:r>
+              <a:rPr lang="en-US" dirty="0" err="1" smtClean="0"/>
+              <a:t>TurnOn</a:t>
+            </a:r>
+            <a:r>
+              <a:rPr lang="en-US" dirty="0" smtClean="0"/>
+              <a:t> - Call by:</a:t>
+            </a:r>
+          </a:p>
+          <a:p>
+            <a:r>
+              <a:rPr lang="en-US" i="1" dirty="0" smtClean="0">
+                <a:hlinkClick r:id="rId2"/>
+              </a:rPr>
+              <a:t>http://example.com/api/api.php/turnOn/cID/tID</a:t>
+            </a:r>
+            <a:endParaRPr lang="en-US" i="1" dirty="0" smtClean="0"/>
+          </a:p>
+          <a:p>
+            <a:r>
+              <a:rPr lang="en-US" dirty="0" smtClean="0"/>
+              <a:t>Returns:</a:t>
+            </a:r>
+          </a:p>
+          <a:p>
+            <a:r>
+              <a:rPr lang="en-US" dirty="0" smtClean="0"/>
+              <a:t>{”</a:t>
+            </a:r>
+            <a:r>
+              <a:rPr lang="en-US" dirty="0" err="1" smtClean="0"/>
+              <a:t>status”:”OK</a:t>
+            </a:r>
+            <a:r>
+              <a:rPr lang="en-US" dirty="0" smtClean="0"/>
+              <a:t>”, ”</a:t>
+            </a:r>
+            <a:r>
+              <a:rPr lang="en-US" dirty="0" err="1" smtClean="0"/>
+              <a:t>timeRemaining</a:t>
+            </a:r>
+            <a:r>
+              <a:rPr lang="en-US" dirty="0" smtClean="0"/>
+              <a:t>”:”value”}</a:t>
+            </a:r>
+          </a:p>
+          <a:p>
+            <a:r>
+              <a:rPr lang="en-US" dirty="0" smtClean="0"/>
+              <a:t>	or</a:t>
+            </a:r>
+          </a:p>
+          <a:p>
+            <a:r>
+              <a:rPr lang="en-US" dirty="0" smtClean="0"/>
+              <a:t>{”</a:t>
+            </a:r>
+            <a:r>
+              <a:rPr lang="en-US" dirty="0" err="1" smtClean="0"/>
+              <a:t>status”:”ERROR”,”error”:”Error</a:t>
+            </a:r>
+            <a:r>
+              <a:rPr lang="en-US" dirty="0" smtClean="0"/>
+              <a:t> Message”}</a:t>
+            </a:r>
+          </a:p>
+          <a:p>
+            <a:endParaRPr lang="en-US" i="1" dirty="0"/>
+          </a:p>
+        </p:txBody>
+      </p:sp>
+      <p:pic>
+        <p:nvPicPr>
+          <p:cNvPr id="1026" name="Picture 2" descr="C:\Users\Jakob Jørgensen\Documents\GitHub\MOM\report\images\turnOnAPI1.jpg"/>
+          <p:cNvPicPr>
+            <a:picLocks noChangeAspect="1" noChangeArrowheads="1"/>
+          </p:cNvPicPr>
+          <p:nvPr/>
+        </p:nvPicPr>
+        <p:blipFill>
+          <a:blip r:embed="rId3">
+            <a:extLst>
+              <a:ext uri="{28A0092B-C50C-407E-A947-70E740481C1C}">
+                <a14:useLocalDpi xmlns:a14="http://schemas.microsoft.com/office/drawing/2010/main" val="0"/>
+              </a:ext>
+            </a:extLst>
+          </a:blip>
+          <a:srcRect/>
+          <a:stretch>
+            <a:fillRect/>
+          </a:stretch>
+        </p:blipFill>
+        <p:spPr bwMode="auto">
+          <a:xfrm>
+            <a:off x="4788024" y="620688"/>
+            <a:ext cx="3226003" cy="5467544"/>
+          </a:xfrm>
+          <a:prstGeom prst="rect">
+            <a:avLst/>
+          </a:prstGeom>
+          <a:noFill/>
+          <a:extLst>
+            <a:ext uri="{909E8E84-426E-40DD-AFC4-6F175D3DCCD1}">
+              <a14:hiddenFill xmlns:a14="http://schemas.microsoft.com/office/drawing/2010/main">
+                <a:solidFill>
+                  <a:srgbClr val="FFFFFF"/>
+                </a:solidFill>
+              </a14:hiddenFill>
+            </a:ext>
+          </a:extLst>
+        </p:spPr>
+      </p:pic>
+    </p:spTree>
+    <p:extLst>
+      <p:ext uri="{BB962C8B-B14F-4D97-AF65-F5344CB8AC3E}">
+        <p14:creationId xmlns:p14="http://schemas.microsoft.com/office/powerpoint/2010/main" val="3941285983"/>
+      </p:ext>
+    </p:extLst>
+  </p:cSld>
+  <p:clrMapOvr>
+    <a:masterClrMapping/>
+  </p:clrMapOvr>
+  <p:timing>
+    <p:tnLst>
+      <p:par>
+        <p:cTn id="1" dur="indefinite" restart="never" nodeType="tmRoot"/>
+      </p:par>
+    </p:tnLst>
+  </p:timing>
+</p:sld>
+</file>
+
+<file path=ppt/slides/slide18.xml><?xml version="1.0" encoding="utf-8"?>
+<p:sld xmlns:a="http://schemas.openxmlformats.org/drawingml/2006/main" xmlns:r="http://schemas.openxmlformats.org/officeDocument/2006/relationships" xmlns:p="http://schemas.openxmlformats.org/presentationml/2006/main">
+  <p:cSld>
+    <p:spTree>
+      <p:nvGrpSpPr>
+        <p:cNvPr id="1" name=""/>
+        <p:cNvGrpSpPr/>
+        <p:nvPr/>
+      </p:nvGrpSpPr>
+      <p:grpSpPr>
+        <a:xfrm>
+          <a:off x="0" y="0"/>
+          <a:ext cx="0" cy="0"/>
+          <a:chOff x="0" y="0"/>
+          <a:chExt cx="0" cy="0"/>
+        </a:xfrm>
+      </p:grpSpPr>
+      <p:sp>
+        <p:nvSpPr>
+          <p:cNvPr id="2" name="Title 1"/>
+          <p:cNvSpPr>
+            <a:spLocks noGrp="1"/>
+          </p:cNvSpPr>
+          <p:nvPr>
+            <p:ph type="title"/>
+          </p:nvPr>
+        </p:nvSpPr>
+        <p:spPr/>
+        <p:txBody>
+          <a:bodyPr>
+            <a:normAutofit/>
+          </a:bodyPr>
+          <a:lstStyle/>
+          <a:p>
+            <a:r>
+              <a:rPr lang="da-DK" dirty="0" smtClean="0"/>
+              <a:t>Controller</a:t>
+            </a:r>
+            <a:endParaRPr lang="da-DK" dirty="0"/>
+          </a:p>
+        </p:txBody>
+      </p:sp>
+      <p:sp>
+        <p:nvSpPr>
+          <p:cNvPr id="3" name="Content Placeholder 2"/>
+          <p:cNvSpPr>
+            <a:spLocks noGrp="1"/>
+          </p:cNvSpPr>
+          <p:nvPr>
+            <p:ph idx="1"/>
+          </p:nvPr>
+        </p:nvSpPr>
+        <p:spPr/>
+        <p:txBody>
+          <a:bodyPr/>
+          <a:lstStyle/>
+          <a:p>
+            <a:r>
+              <a:rPr lang="da-DK" dirty="0"/>
+              <a:t>Controller, Systemets Mund og Hænder</a:t>
+            </a:r>
+            <a:r>
+              <a:rPr lang="da-DK" dirty="0" smtClean="0"/>
+              <a:t>.</a:t>
+            </a:r>
+            <a:endParaRPr lang="da-DK" dirty="0"/>
+          </a:p>
+        </p:txBody>
+      </p:sp>
+      <p:pic>
+        <p:nvPicPr>
+          <p:cNvPr id="4" name="Picture 3" descr="C:\Users\Lars\Documents\GitHub\SmartHouse\report\images\systemoverview2.png"/>
+          <p:cNvPicPr>
+            <a:picLocks noChangeAspect="1" noChangeArrowheads="1"/>
+          </p:cNvPicPr>
+          <p:nvPr/>
+        </p:nvPicPr>
+        <p:blipFill>
+          <a:blip r:embed="rId2">
+            <a:extLst>
+              <a:ext uri="{28A0092B-C50C-407E-A947-70E740481C1C}">
+                <a14:useLocalDpi xmlns:a14="http://schemas.microsoft.com/office/drawing/2010/main" val="0"/>
+              </a:ext>
+            </a:extLst>
+          </a:blip>
+          <a:srcRect/>
+          <a:stretch>
+            <a:fillRect/>
+          </a:stretch>
+        </p:blipFill>
+        <p:spPr bwMode="auto">
+          <a:xfrm>
+            <a:off x="971600" y="2780928"/>
+            <a:ext cx="6984776" cy="3506807"/>
+          </a:xfrm>
+          <a:prstGeom prst="rect">
+            <a:avLst/>
+          </a:prstGeom>
+          <a:noFill/>
+          <a:extLst>
+            <a:ext uri="{909E8E84-426E-40DD-AFC4-6F175D3DCCD1}">
+              <a14:hiddenFill xmlns:a14="http://schemas.microsoft.com/office/drawing/2010/main">
+                <a:solidFill>
+                  <a:srgbClr val="FFFFFF"/>
+                </a:solidFill>
+              </a14:hiddenFill>
+            </a:ext>
+          </a:extLst>
+        </p:spPr>
+      </p:pic>
+    </p:spTree>
+    <p:extLst>
+      <p:ext uri="{BB962C8B-B14F-4D97-AF65-F5344CB8AC3E}">
+        <p14:creationId xmlns:p14="http://schemas.microsoft.com/office/powerpoint/2010/main" val="3868399597"/>
+      </p:ext>
+    </p:extLst>
+  </p:cSld>
+  <p:clrMapOvr>
+    <a:masterClrMapping/>
+  </p:clrMapOvr>
+</p:sld>
+</file>
+
+<file path=ppt/slides/slide19.xml><?xml version="1.0" encoding="utf-8"?>
+<p:sld xmlns:a="http://schemas.openxmlformats.org/drawingml/2006/main" xmlns:r="http://schemas.openxmlformats.org/officeDocument/2006/relationships" xmlns:p="http://schemas.openxmlformats.org/presentationml/2006/main">
+  <p:cSld>
+    <p:spTree>
+      <p:nvGrpSpPr>
+        <p:cNvPr id="1" name=""/>
+        <p:cNvGrpSpPr/>
+        <p:nvPr/>
+      </p:nvGrpSpPr>
+      <p:grpSpPr>
+        <a:xfrm>
+          <a:off x="0" y="0"/>
+          <a:ext cx="0" cy="0"/>
+          <a:chOff x="0" y="0"/>
+          <a:chExt cx="0" cy="0"/>
+        </a:xfrm>
+      </p:grpSpPr>
+      <p:sp>
+        <p:nvSpPr>
+          <p:cNvPr id="2" name="Title 1"/>
+          <p:cNvSpPr>
+            <a:spLocks noGrp="1"/>
+          </p:cNvSpPr>
+          <p:nvPr>
+            <p:ph type="title"/>
+          </p:nvPr>
+        </p:nvSpPr>
+        <p:spPr/>
+        <p:txBody>
+          <a:bodyPr/>
+          <a:lstStyle/>
+          <a:p>
+            <a:r>
+              <a:rPr lang="da-DK" dirty="0" smtClean="0"/>
+              <a:t>Controller</a:t>
+            </a:r>
+            <a:endParaRPr lang="da-DK" dirty="0"/>
+          </a:p>
+        </p:txBody>
+      </p:sp>
+      <p:sp>
+        <p:nvSpPr>
+          <p:cNvPr id="3" name="Content Placeholder 2"/>
+          <p:cNvSpPr>
+            <a:spLocks noGrp="1"/>
+          </p:cNvSpPr>
+          <p:nvPr>
+            <p:ph idx="1"/>
+          </p:nvPr>
+        </p:nvSpPr>
+        <p:spPr/>
+        <p:txBody>
+          <a:bodyPr/>
+          <a:lstStyle/>
+          <a:p>
+            <a:r>
+              <a:rPr lang="en-US" dirty="0" smtClean="0"/>
+              <a:t>The System is developed with focus on functionalities</a:t>
+            </a:r>
+          </a:p>
+          <a:p>
+            <a:pPr lvl="1"/>
+            <a:r>
+              <a:rPr lang="en-US" dirty="0" smtClean="0"/>
+              <a:t>Prototype for best use of resources</a:t>
+            </a:r>
+          </a:p>
+          <a:p>
+            <a:pPr lvl="1"/>
+            <a:r>
+              <a:rPr lang="en-US" dirty="0" smtClean="0"/>
+              <a:t>User cases </a:t>
+            </a:r>
+          </a:p>
+          <a:p>
+            <a:pPr lvl="1"/>
+            <a:r>
+              <a:rPr lang="en-US" dirty="0" smtClean="0"/>
+              <a:t>Exception handling. </a:t>
+            </a:r>
+            <a:endParaRPr lang="en-US" dirty="0"/>
+          </a:p>
+        </p:txBody>
+      </p:sp>
+      <p:pic>
+        <p:nvPicPr>
+          <p:cNvPr id="2052" name="Picture 4"/>
+          <p:cNvPicPr>
+            <a:picLocks noChangeAspect="1" noChangeArrowheads="1"/>
+          </p:cNvPicPr>
+          <p:nvPr/>
+        </p:nvPicPr>
+        <p:blipFill>
+          <a:blip r:embed="rId2">
+            <a:extLst>
+              <a:ext uri="{28A0092B-C50C-407E-A947-70E740481C1C}">
+                <a14:useLocalDpi xmlns:a14="http://schemas.microsoft.com/office/drawing/2010/main" val="0"/>
+              </a:ext>
+            </a:extLst>
+          </a:blip>
+          <a:srcRect/>
+          <a:stretch>
+            <a:fillRect/>
+          </a:stretch>
+        </p:blipFill>
+        <p:spPr bwMode="auto">
+          <a:xfrm>
+            <a:off x="1907704" y="4395871"/>
+            <a:ext cx="5779194" cy="2004925"/>
+          </a:xfrm>
+          <a:prstGeom prst="rect">
+            <a:avLst/>
+          </a:prstGeom>
+          <a:noFill/>
+          <a:ln>
+            <a:noFill/>
+          </a:ln>
+          <a:effectLst/>
+          <a:extLst>
+            <a:ext uri="{909E8E84-426E-40DD-AFC4-6F175D3DCCD1}">
+              <a14:hiddenFill xmlns:a14="http://schemas.microsoft.com/office/drawing/2010/main">
+                <a:solidFill>
+                  <a:schemeClr val="accent1"/>
+                </a:solidFill>
+              </a14:hiddenFill>
+            </a:ext>
+            <a:ext uri="{91240B29-F687-4F45-9708-019B960494DF}">
+              <a14:hiddenLine xmlns:a14="http://schemas.microsoft.com/office/drawing/2010/main" w="9525">
+                <a:solidFill>
+                  <a:schemeClr val="tx1"/>
+                </a:solidFill>
+                <a:miter lim="800000"/>
+                <a:headEnd/>
+                <a:tailEnd/>
+              </a14:hiddenLine>
+            </a:ext>
+            <a:ext uri="{AF507438-7753-43E0-B8FC-AC1667EBCBE1}">
+              <a14:hiddenEffects xmlns:a14="http://schemas.microsoft.com/office/drawing/2010/main">
+                <a:effectLst>
+                  <a:outerShdw dist="35921" dir="2700000" algn="ctr" rotWithShape="0">
+                    <a:schemeClr val="bg2"/>
+                  </a:outerShdw>
+                </a:effectLst>
+              </a14:hiddenEffects>
+            </a:ext>
+          </a:extLst>
+        </p:spPr>
+      </p:pic>
+    </p:spTree>
+    <p:extLst>
+      <p:ext uri="{BB962C8B-B14F-4D97-AF65-F5344CB8AC3E}">
+        <p14:creationId xmlns:p14="http://schemas.microsoft.com/office/powerpoint/2010/main" val="1952789736"/>
+      </p:ext>
+    </p:extLst>
+  </p:cSld>
+  <p:clrMapOvr>
+    <a:masterClrMapping/>
+  </p:clrMapOvr>
+</p:sld>
+</file>
+
 <file path=ppt/slides/slide2.xml><?xml version="1.0" encoding="utf-8"?>
 <p:sld xmlns:a="http://schemas.openxmlformats.org/drawingml/2006/main" xmlns:r="http://schemas.openxmlformats.org/officeDocument/2006/relationships" xmlns:p="http://schemas.openxmlformats.org/presentationml/2006/main">
   <p:cSld>
@@ -14182,6 +16602,240 @@
 </p:sld>
 </file>
 
+<file path=ppt/slides/slide20.xml><?xml version="1.0" encoding="utf-8"?>
+<p:sld xmlns:a="http://schemas.openxmlformats.org/drawingml/2006/main" xmlns:r="http://schemas.openxmlformats.org/officeDocument/2006/relationships" xmlns:p="http://schemas.openxmlformats.org/presentationml/2006/main">
+  <p:cSld>
+    <p:spTree>
+      <p:nvGrpSpPr>
+        <p:cNvPr id="1" name=""/>
+        <p:cNvGrpSpPr/>
+        <p:nvPr/>
+      </p:nvGrpSpPr>
+      <p:grpSpPr>
+        <a:xfrm>
+          <a:off x="0" y="0"/>
+          <a:ext cx="0" cy="0"/>
+          <a:chOff x="0" y="0"/>
+          <a:chExt cx="0" cy="0"/>
+        </a:xfrm>
+      </p:grpSpPr>
+      <p:sp>
+        <p:nvSpPr>
+          <p:cNvPr id="2" name="Title 1"/>
+          <p:cNvSpPr>
+            <a:spLocks noGrp="1"/>
+          </p:cNvSpPr>
+          <p:nvPr>
+            <p:ph type="title"/>
+          </p:nvPr>
+        </p:nvSpPr>
+        <p:spPr/>
+        <p:txBody>
+          <a:bodyPr/>
+          <a:lstStyle/>
+          <a:p>
+            <a:r>
+              <a:rPr lang="da-DK" dirty="0" smtClean="0"/>
+              <a:t>Controller</a:t>
+            </a:r>
+            <a:endParaRPr lang="da-DK" dirty="0"/>
+          </a:p>
+        </p:txBody>
+      </p:sp>
+      <p:sp>
+        <p:nvSpPr>
+          <p:cNvPr id="3" name="Content Placeholder 2"/>
+          <p:cNvSpPr>
+            <a:spLocks noGrp="1"/>
+          </p:cNvSpPr>
+          <p:nvPr>
+            <p:ph idx="1"/>
+          </p:nvPr>
+        </p:nvSpPr>
+        <p:spPr/>
+        <p:txBody>
+          <a:bodyPr/>
+          <a:lstStyle/>
+          <a:p>
+            <a:r>
+              <a:rPr lang="en-US" dirty="0"/>
+              <a:t>Further </a:t>
+            </a:r>
+            <a:r>
+              <a:rPr lang="en-US" dirty="0" smtClean="0"/>
+              <a:t>work/testing</a:t>
+            </a:r>
+            <a:endParaRPr lang="en-US" dirty="0"/>
+          </a:p>
+          <a:p>
+            <a:endParaRPr lang="da-DK" dirty="0"/>
+          </a:p>
+        </p:txBody>
+      </p:sp>
+    </p:spTree>
+    <p:extLst>
+      <p:ext uri="{BB962C8B-B14F-4D97-AF65-F5344CB8AC3E}">
+        <p14:creationId xmlns:p14="http://schemas.microsoft.com/office/powerpoint/2010/main" val="3217227156"/>
+      </p:ext>
+    </p:extLst>
+  </p:cSld>
+  <p:clrMapOvr>
+    <a:masterClrMapping/>
+  </p:clrMapOvr>
+  <p:timing>
+    <p:tnLst>
+      <p:par>
+        <p:cTn id="1" dur="indefinite" restart="never" nodeType="tmRoot"/>
+      </p:par>
+    </p:tnLst>
+  </p:timing>
+</p:sld>
+</file>
+
+<file path=ppt/slides/slide21.xml><?xml version="1.0" encoding="utf-8"?>
+<p:sld xmlns:a="http://schemas.openxmlformats.org/drawingml/2006/main" xmlns:r="http://schemas.openxmlformats.org/officeDocument/2006/relationships" xmlns:p="http://schemas.openxmlformats.org/presentationml/2006/main">
+  <p:cSld>
+    <p:spTree>
+      <p:nvGrpSpPr>
+        <p:cNvPr id="1" name=""/>
+        <p:cNvGrpSpPr/>
+        <p:nvPr/>
+      </p:nvGrpSpPr>
+      <p:grpSpPr>
+        <a:xfrm>
+          <a:off x="0" y="0"/>
+          <a:ext cx="0" cy="0"/>
+          <a:chOff x="0" y="0"/>
+          <a:chExt cx="0" cy="0"/>
+        </a:xfrm>
+      </p:grpSpPr>
+      <p:sp>
+        <p:nvSpPr>
+          <p:cNvPr id="2" name="Title 1"/>
+          <p:cNvSpPr>
+            <a:spLocks noGrp="1"/>
+          </p:cNvSpPr>
+          <p:nvPr>
+            <p:ph type="title"/>
+          </p:nvPr>
+        </p:nvSpPr>
+        <p:spPr/>
+        <p:txBody>
+          <a:bodyPr/>
+          <a:lstStyle/>
+          <a:p>
+            <a:r>
+              <a:rPr lang="da-DK" dirty="0" smtClean="0"/>
+              <a:t>Demo</a:t>
+            </a:r>
+            <a:endParaRPr lang="da-DK" dirty="0"/>
+          </a:p>
+        </p:txBody>
+      </p:sp>
+      <p:sp>
+        <p:nvSpPr>
+          <p:cNvPr id="3" name="Content Placeholder 2"/>
+          <p:cNvSpPr>
+            <a:spLocks noGrp="1"/>
+          </p:cNvSpPr>
+          <p:nvPr>
+            <p:ph idx="1"/>
+          </p:nvPr>
+        </p:nvSpPr>
+        <p:spPr/>
+        <p:txBody>
+          <a:bodyPr/>
+          <a:lstStyle/>
+          <a:p>
+            <a:endParaRPr lang="da-DK"/>
+          </a:p>
+        </p:txBody>
+      </p:sp>
+    </p:spTree>
+    <p:extLst>
+      <p:ext uri="{BB962C8B-B14F-4D97-AF65-F5344CB8AC3E}">
+        <p14:creationId xmlns:p14="http://schemas.microsoft.com/office/powerpoint/2010/main" val="1056398512"/>
+      </p:ext>
+    </p:extLst>
+  </p:cSld>
+  <p:clrMapOvr>
+    <a:masterClrMapping/>
+  </p:clrMapOvr>
+</p:sld>
+</file>
+
+<file path=ppt/slides/slide22.xml><?xml version="1.0" encoding="utf-8"?>
+<p:sld xmlns:a="http://schemas.openxmlformats.org/drawingml/2006/main" xmlns:r="http://schemas.openxmlformats.org/officeDocument/2006/relationships" xmlns:p="http://schemas.openxmlformats.org/presentationml/2006/main">
+  <p:cSld>
+    <p:spTree>
+      <p:nvGrpSpPr>
+        <p:cNvPr id="1" name=""/>
+        <p:cNvGrpSpPr/>
+        <p:nvPr/>
+      </p:nvGrpSpPr>
+      <p:grpSpPr>
+        <a:xfrm>
+          <a:off x="0" y="0"/>
+          <a:ext cx="0" cy="0"/>
+          <a:chOff x="0" y="0"/>
+          <a:chExt cx="0" cy="0"/>
+        </a:xfrm>
+      </p:grpSpPr>
+      <p:sp>
+        <p:nvSpPr>
+          <p:cNvPr id="2" name="Title 1"/>
+          <p:cNvSpPr>
+            <a:spLocks noGrp="1"/>
+          </p:cNvSpPr>
+          <p:nvPr>
+            <p:ph type="title"/>
+          </p:nvPr>
+        </p:nvSpPr>
+        <p:spPr/>
+        <p:txBody>
+          <a:bodyPr/>
+          <a:lstStyle/>
+          <a:p>
+            <a:r>
+              <a:rPr lang="en-US" dirty="0" smtClean="0"/>
+              <a:t>Conclusion &amp; Reflection</a:t>
+            </a:r>
+            <a:endParaRPr lang="en-US" dirty="0"/>
+          </a:p>
+        </p:txBody>
+      </p:sp>
+      <p:sp>
+        <p:nvSpPr>
+          <p:cNvPr id="3" name="Content Placeholder 2"/>
+          <p:cNvSpPr>
+            <a:spLocks noGrp="1"/>
+          </p:cNvSpPr>
+          <p:nvPr>
+            <p:ph idx="1"/>
+          </p:nvPr>
+        </p:nvSpPr>
+        <p:spPr/>
+        <p:txBody>
+          <a:bodyPr/>
+          <a:lstStyle/>
+          <a:p>
+            <a:endParaRPr lang="da-DK" dirty="0"/>
+          </a:p>
+        </p:txBody>
+      </p:sp>
+    </p:spTree>
+    <p:extLst>
+      <p:ext uri="{BB962C8B-B14F-4D97-AF65-F5344CB8AC3E}">
+        <p14:creationId xmlns:p14="http://schemas.microsoft.com/office/powerpoint/2010/main" val="2324307872"/>
+      </p:ext>
+    </p:extLst>
+  </p:cSld>
+  <p:clrMapOvr>
+    <a:masterClrMapping/>
+  </p:clrMapOvr>
+</p:sld>
+</file>
+
 <file path=ppt/slides/slide3.xml><?xml version="1.0" encoding="utf-8"?>
 <p:sld xmlns:a="http://schemas.openxmlformats.org/drawingml/2006/main" xmlns:r="http://schemas.openxmlformats.org/officeDocument/2006/relationships" xmlns:p="http://schemas.openxmlformats.org/presentationml/2006/main">
   <p:cSld>
@@ -14215,10 +16869,10 @@
           <a:lstStyle/>
           <a:p>
             <a:r>
-              <a:rPr lang="da-DK" dirty="0" smtClean="0"/>
+              <a:rPr lang="en-US" dirty="0" smtClean="0"/>
               <a:t>It can lead to</a:t>
             </a:r>
-            <a:endParaRPr lang="da-DK" dirty="0"/>
+            <a:endParaRPr lang="en-US" dirty="0"/>
           </a:p>
         </p:txBody>
       </p:sp>
@@ -14238,32 +16892,28 @@
           <a:lstStyle/>
           <a:p>
             <a:r>
-              <a:rPr lang="da-DK" dirty="0" smtClean="0"/>
+              <a:rPr lang="en-US" dirty="0" smtClean="0"/>
               <a:t>Sleep deprivation</a:t>
             </a:r>
           </a:p>
           <a:p>
             <a:r>
-              <a:rPr lang="da-DK" dirty="0" smtClean="0"/>
+              <a:rPr lang="en-US" dirty="0" smtClean="0"/>
               <a:t>Lack of physical exercise</a:t>
             </a:r>
           </a:p>
           <a:p>
             <a:r>
-              <a:rPr lang="da-DK" dirty="0" smtClean="0"/>
+              <a:rPr lang="en-US" dirty="0" smtClean="0"/>
               <a:t>Type 2 diabetes</a:t>
             </a:r>
           </a:p>
           <a:p>
             <a:r>
-              <a:rPr lang="da-DK" dirty="0" smtClean="0"/>
-              <a:t>Concentration </a:t>
-            </a:r>
-            <a:r>
-              <a:rPr lang="da-DK" dirty="0"/>
-              <a:t>issues</a:t>
-            </a:r>
-            <a:endParaRPr lang="da-DK" dirty="0"/>
+              <a:rPr lang="en-US" dirty="0" smtClean="0"/>
+              <a:t>Concentration issues</a:t>
+            </a:r>
+            <a:endParaRPr lang="en-US" dirty="0"/>
           </a:p>
         </p:txBody>
       </p:sp>
@@ -14598,6 +17248,633 @@
     <p:extLst>
       <p:ext uri="{BB962C8B-B14F-4D97-AF65-F5344CB8AC3E}">
         <p14:creationId xmlns:p14="http://schemas.microsoft.com/office/powerpoint/2010/main" val="4040944178"/>
+      </p:ext>
+    </p:extLst>
+  </p:cSld>
+  <p:clrMapOvr>
+    <a:masterClrMapping/>
+  </p:clrMapOvr>
+  <p:timing>
+    <p:tnLst>
+      <p:par>
+        <p:cTn id="1" dur="indefinite" restart="never" nodeType="tmRoot"/>
+      </p:par>
+    </p:tnLst>
+  </p:timing>
+</p:sld>
+</file>
+
+<file path=ppt/slides/slide6.xml><?xml version="1.0" encoding="utf-8"?>
+<p:sld xmlns:a="http://schemas.openxmlformats.org/drawingml/2006/main" xmlns:r="http://schemas.openxmlformats.org/officeDocument/2006/relationships" xmlns:p="http://schemas.openxmlformats.org/presentationml/2006/main">
+  <p:cSld>
+    <p:spTree>
+      <p:nvGrpSpPr>
+        <p:cNvPr id="1" name=""/>
+        <p:cNvGrpSpPr/>
+        <p:nvPr/>
+      </p:nvGrpSpPr>
+      <p:grpSpPr>
+        <a:xfrm>
+          <a:off x="0" y="0"/>
+          <a:ext cx="0" cy="0"/>
+          <a:chOff x="0" y="0"/>
+          <a:chExt cx="0" cy="0"/>
+        </a:xfrm>
+      </p:grpSpPr>
+      <p:sp>
+        <p:nvSpPr>
+          <p:cNvPr id="2" name="Titel 1"/>
+          <p:cNvSpPr>
+            <a:spLocks noGrp="1"/>
+          </p:cNvSpPr>
+          <p:nvPr>
+            <p:ph type="title"/>
+          </p:nvPr>
+        </p:nvSpPr>
+        <p:spPr/>
+        <p:txBody>
+          <a:bodyPr/>
+          <a:lstStyle/>
+          <a:p>
+            <a:r>
+              <a:rPr lang="en-US" dirty="0" smtClean="0"/>
+              <a:t>Rules in The System</a:t>
+            </a:r>
+            <a:endParaRPr lang="en-US" dirty="0"/>
+          </a:p>
+        </p:txBody>
+      </p:sp>
+      <p:sp>
+        <p:nvSpPr>
+          <p:cNvPr id="3" name="Pladsholder til indhold 2"/>
+          <p:cNvSpPr>
+            <a:spLocks noGrp="1"/>
+          </p:cNvSpPr>
+          <p:nvPr>
+            <p:ph idx="1"/>
+          </p:nvPr>
+        </p:nvSpPr>
+        <p:spPr/>
+        <p:txBody>
+          <a:bodyPr>
+            <a:normAutofit lnSpcReduction="10000"/>
+          </a:bodyPr>
+          <a:lstStyle/>
+          <a:p>
+            <a:r>
+              <a:rPr lang="en-US" dirty="0" smtClean="0"/>
+              <a:t>The rule concept</a:t>
+            </a:r>
+          </a:p>
+          <a:p>
+            <a:r>
+              <a:rPr lang="en-US" dirty="0" smtClean="0"/>
+              <a:t>Real life rules </a:t>
+            </a:r>
+          </a:p>
+          <a:p>
+            <a:pPr lvl="1"/>
+            <a:r>
+              <a:rPr lang="en-US" dirty="0" smtClean="0"/>
+              <a:t>A child is grounded</a:t>
+            </a:r>
+          </a:p>
+          <a:p>
+            <a:pPr lvl="1"/>
+            <a:r>
+              <a:rPr lang="en-US" dirty="0" smtClean="0"/>
+              <a:t>A child are only allowed to watch TV from 16:00-19:00</a:t>
+            </a:r>
+          </a:p>
+          <a:p>
+            <a:pPr lvl="1"/>
+            <a:r>
+              <a:rPr lang="en-US" dirty="0" smtClean="0"/>
+              <a:t>A child get an allowance (in points) in the beginning of each month or week.</a:t>
+            </a:r>
+          </a:p>
+          <a:p>
+            <a:pPr lvl="1"/>
+            <a:r>
+              <a:rPr lang="en-US" dirty="0" smtClean="0"/>
+              <a:t>Parents must have access to any media, any </a:t>
+            </a:r>
+            <a:r>
+              <a:rPr lang="en-US" dirty="0" smtClean="0"/>
+              <a:t>time</a:t>
+            </a:r>
+            <a:endParaRPr lang="en-US" dirty="0" smtClean="0"/>
+          </a:p>
+        </p:txBody>
+      </p:sp>
+    </p:spTree>
+    <p:extLst>
+      <p:ext uri="{BB962C8B-B14F-4D97-AF65-F5344CB8AC3E}">
+        <p14:creationId xmlns:p14="http://schemas.microsoft.com/office/powerpoint/2010/main" val="1290030104"/>
+      </p:ext>
+    </p:extLst>
+  </p:cSld>
+  <p:clrMapOvr>
+    <a:masterClrMapping/>
+  </p:clrMapOvr>
+  <p:timing>
+    <p:tnLst>
+      <p:par>
+        <p:cTn id="1" dur="indefinite" restart="never" nodeType="tmRoot"/>
+      </p:par>
+    </p:tnLst>
+  </p:timing>
+</p:sld>
+</file>
+
+<file path=ppt/slides/slide7.xml><?xml version="1.0" encoding="utf-8"?>
+<p:sld xmlns:a="http://schemas.openxmlformats.org/drawingml/2006/main" xmlns:r="http://schemas.openxmlformats.org/officeDocument/2006/relationships" xmlns:p="http://schemas.openxmlformats.org/presentationml/2006/main">
+  <p:cSld>
+    <p:spTree>
+      <p:nvGrpSpPr>
+        <p:cNvPr id="1" name=""/>
+        <p:cNvGrpSpPr/>
+        <p:nvPr/>
+      </p:nvGrpSpPr>
+      <p:grpSpPr>
+        <a:xfrm>
+          <a:off x="0" y="0"/>
+          <a:ext cx="0" cy="0"/>
+          <a:chOff x="0" y="0"/>
+          <a:chExt cx="0" cy="0"/>
+        </a:xfrm>
+      </p:grpSpPr>
+      <p:sp>
+        <p:nvSpPr>
+          <p:cNvPr id="2" name="Titel 1"/>
+          <p:cNvSpPr>
+            <a:spLocks noGrp="1"/>
+          </p:cNvSpPr>
+          <p:nvPr>
+            <p:ph type="title"/>
+          </p:nvPr>
+        </p:nvSpPr>
+        <p:spPr>
+          <a:xfrm>
+            <a:off x="1043490" y="1027664"/>
+            <a:ext cx="7024744" cy="601136"/>
+          </a:xfrm>
+        </p:spPr>
+        <p:txBody>
+          <a:bodyPr>
+            <a:normAutofit fontScale="90000"/>
+          </a:bodyPr>
+          <a:lstStyle/>
+          <a:p>
+            <a:r>
+              <a:rPr lang="en-US" sz="3600" dirty="0" smtClean="0"/>
+              <a:t>Current Construction of a Rule</a:t>
+            </a:r>
+            <a:endParaRPr lang="da-DK" sz="3600" dirty="0"/>
+          </a:p>
+        </p:txBody>
+      </p:sp>
+      <p:sp>
+        <p:nvSpPr>
+          <p:cNvPr id="4" name="Tekstboks 3"/>
+          <p:cNvSpPr txBox="1"/>
+          <p:nvPr/>
+        </p:nvSpPr>
+        <p:spPr>
+          <a:xfrm>
+            <a:off x="508546" y="1556792"/>
+            <a:ext cx="8095902" cy="4493538"/>
+          </a:xfrm>
+          <a:prstGeom prst="rect">
+            <a:avLst/>
+          </a:prstGeom>
+          <a:noFill/>
+        </p:spPr>
+        <p:txBody>
+          <a:bodyPr wrap="square" rtlCol="0">
+            <a:spAutoFit/>
+          </a:bodyPr>
+          <a:lstStyle/>
+          <a:p>
+            <a:pPr>
+              <a:buNone/>
+            </a:pPr>
+            <a:r>
+              <a:rPr lang="da-DK" sz="2200" dirty="0" smtClean="0"/>
+              <a:t>&lt;</a:t>
+            </a:r>
+            <a:r>
+              <a:rPr lang="da-DK" sz="2200" dirty="0" err="1" smtClean="0"/>
+              <a:t>Rule</a:t>
+            </a:r>
+            <a:r>
+              <a:rPr lang="da-DK" sz="2200" dirty="0" smtClean="0"/>
+              <a:t>&gt;:= &lt;</a:t>
+            </a:r>
+            <a:r>
+              <a:rPr lang="da-DK" sz="2200" dirty="0" err="1" smtClean="0"/>
+              <a:t>name</a:t>
+            </a:r>
+            <a:r>
+              <a:rPr lang="da-DK" sz="2200" dirty="0" smtClean="0"/>
+              <a:t>&gt;(</a:t>
+            </a:r>
+          </a:p>
+          <a:p>
+            <a:pPr lvl="1">
+              <a:buNone/>
+            </a:pPr>
+            <a:r>
+              <a:rPr lang="da-DK" sz="2200" dirty="0" smtClean="0"/>
+              <a:t>       (&lt;</a:t>
+            </a:r>
+            <a:r>
+              <a:rPr lang="da-DK" sz="2200" dirty="0" smtClean="0"/>
+              <a:t>ActionsetSet1&gt;&lt;ConditionSet1&gt;)*</a:t>
+            </a:r>
+          </a:p>
+          <a:p>
+            <a:pPr lvl="1">
+              <a:buNone/>
+            </a:pPr>
+            <a:r>
+              <a:rPr lang="da-DK" sz="2200" dirty="0" smtClean="0"/>
+              <a:t>…</a:t>
+            </a:r>
+          </a:p>
+          <a:p>
+            <a:pPr lvl="1">
+              <a:buNone/>
+            </a:pPr>
+            <a:r>
+              <a:rPr lang="da-DK" sz="2200" dirty="0" smtClean="0"/>
+              <a:t>|     (&lt;ActionsetSet5&gt;&lt;ConditionSet5&gt;)*)</a:t>
+            </a:r>
+          </a:p>
+          <a:p>
+            <a:pPr lvl="1">
+              <a:buNone/>
+            </a:pPr>
+            <a:endParaRPr lang="da-DK" sz="2200" dirty="0" smtClean="0"/>
+          </a:p>
+          <a:p>
+            <a:pPr>
+              <a:buNone/>
+            </a:pPr>
+            <a:r>
+              <a:rPr lang="da-DK" sz="2200" dirty="0" smtClean="0"/>
+              <a:t>&lt;ActionsetSet5&gt; := ("Access </a:t>
+            </a:r>
+            <a:r>
+              <a:rPr lang="da-DK" sz="2200" dirty="0" err="1" smtClean="0"/>
+              <a:t>controller</a:t>
+            </a:r>
+            <a:r>
+              <a:rPr lang="da-DK" sz="2200" dirty="0" smtClean="0"/>
+              <a:t>" | "</a:t>
+            </a:r>
+            <a:r>
+              <a:rPr lang="da-DK" sz="2200" dirty="0" err="1" smtClean="0"/>
+              <a:t>Cannot</a:t>
+            </a:r>
+            <a:r>
+              <a:rPr lang="da-DK" sz="2200" dirty="0" smtClean="0"/>
+              <a:t> </a:t>
+            </a:r>
+            <a:r>
+              <a:rPr lang="da-DK" sz="2200" dirty="0" err="1" smtClean="0"/>
+              <a:t>access</a:t>
+            </a:r>
+            <a:r>
+              <a:rPr lang="da-DK" sz="2200" dirty="0" smtClean="0"/>
+              <a:t> </a:t>
+            </a:r>
+            <a:r>
+              <a:rPr lang="da-DK" sz="2200" dirty="0" err="1" smtClean="0"/>
+              <a:t>controller</a:t>
+            </a:r>
+            <a:r>
+              <a:rPr lang="da-DK" sz="2200" dirty="0" smtClean="0"/>
+              <a:t>") &lt;</a:t>
+            </a:r>
+            <a:r>
+              <a:rPr lang="da-DK" sz="2200" dirty="0" err="1" smtClean="0"/>
+              <a:t>Controller</a:t>
+            </a:r>
+            <a:r>
+              <a:rPr lang="da-DK" sz="2200" dirty="0" smtClean="0"/>
+              <a:t>&gt;</a:t>
+            </a:r>
+          </a:p>
+          <a:p>
+            <a:pPr>
+              <a:buNone/>
+            </a:pPr>
+            <a:endParaRPr lang="da-DK" sz="2200" dirty="0" smtClean="0"/>
+          </a:p>
+          <a:p>
+            <a:pPr>
+              <a:buNone/>
+            </a:pPr>
+            <a:r>
+              <a:rPr lang="da-DK" sz="2200" dirty="0" smtClean="0"/>
+              <a:t>&lt;ConditionSet5&gt; :=	&lt;</a:t>
+            </a:r>
+            <a:r>
+              <a:rPr lang="da-DK" sz="2200" dirty="0" err="1" smtClean="0"/>
+              <a:t>ConditionTimeperiod</a:t>
+            </a:r>
+            <a:r>
+              <a:rPr lang="da-DK" sz="2200" dirty="0" smtClean="0"/>
+              <a:t>&gt; </a:t>
+            </a:r>
+          </a:p>
+          <a:p>
+            <a:pPr>
+              <a:buNone/>
+            </a:pPr>
+            <a:r>
+              <a:rPr lang="da-DK" sz="2200" dirty="0" smtClean="0"/>
+              <a:t>|&lt;</a:t>
+            </a:r>
+            <a:r>
+              <a:rPr lang="da-DK" sz="2200" dirty="0" err="1" smtClean="0"/>
+              <a:t>ConditionTrue</a:t>
+            </a:r>
+            <a:r>
+              <a:rPr lang="da-DK" sz="2200" dirty="0" smtClean="0"/>
+              <a:t>&gt;	|	&lt;</a:t>
+            </a:r>
+            <a:r>
+              <a:rPr lang="da-DK" sz="2200" dirty="0" err="1" smtClean="0"/>
+              <a:t>ConditionElse</a:t>
+            </a:r>
+            <a:r>
+              <a:rPr lang="da-DK" sz="2200" dirty="0" smtClean="0"/>
+              <a:t>&gt;	</a:t>
+            </a:r>
+          </a:p>
+          <a:p>
+            <a:pPr>
+              <a:buNone/>
+            </a:pPr>
+            <a:endParaRPr lang="da-DK" sz="2200" dirty="0" smtClean="0"/>
+          </a:p>
+          <a:p>
+            <a:pPr>
+              <a:buNone/>
+            </a:pPr>
+            <a:r>
+              <a:rPr lang="en-US" sz="2200" dirty="0" smtClean="0"/>
+              <a:t>&lt;</a:t>
+            </a:r>
+            <a:r>
+              <a:rPr lang="en-US" sz="2200" dirty="0" err="1" smtClean="0"/>
+              <a:t>ConditionElse</a:t>
+            </a:r>
+            <a:r>
+              <a:rPr lang="en-US" sz="2200" dirty="0" smtClean="0"/>
+              <a:t>&gt;:= ("Device on" | "Device off") &lt;Controller&gt;</a:t>
+            </a:r>
+            <a:endParaRPr lang="da-DK" sz="2200" dirty="0" smtClean="0"/>
+          </a:p>
+          <a:p>
+            <a:endParaRPr lang="da-DK" sz="2200" dirty="0"/>
+          </a:p>
+        </p:txBody>
+      </p:sp>
+    </p:spTree>
+    <p:extLst>
+      <p:ext uri="{BB962C8B-B14F-4D97-AF65-F5344CB8AC3E}">
+        <p14:creationId xmlns:p14="http://schemas.microsoft.com/office/powerpoint/2010/main" val="83487520"/>
+      </p:ext>
+    </p:extLst>
+  </p:cSld>
+  <p:clrMapOvr>
+    <a:masterClrMapping/>
+  </p:clrMapOvr>
+  <p:timing>
+    <p:tnLst>
+      <p:par>
+        <p:cTn id="1" dur="indefinite" restart="never" nodeType="tmRoot"/>
+      </p:par>
+    </p:tnLst>
+  </p:timing>
+</p:sld>
+</file>
+
+<file path=ppt/slides/slide8.xml><?xml version="1.0" encoding="utf-8"?>
+<p:sld xmlns:a="http://schemas.openxmlformats.org/drawingml/2006/main" xmlns:r="http://schemas.openxmlformats.org/officeDocument/2006/relationships" xmlns:p="http://schemas.openxmlformats.org/presentationml/2006/main">
+  <p:cSld>
+    <p:spTree>
+      <p:nvGrpSpPr>
+        <p:cNvPr id="1" name=""/>
+        <p:cNvGrpSpPr/>
+        <p:nvPr/>
+      </p:nvGrpSpPr>
+      <p:grpSpPr>
+        <a:xfrm>
+          <a:off x="0" y="0"/>
+          <a:ext cx="0" cy="0"/>
+          <a:chOff x="0" y="0"/>
+          <a:chExt cx="0" cy="0"/>
+        </a:xfrm>
+      </p:grpSpPr>
+      <p:sp>
+        <p:nvSpPr>
+          <p:cNvPr id="2" name="Titel 1"/>
+          <p:cNvSpPr>
+            <a:spLocks noGrp="1"/>
+          </p:cNvSpPr>
+          <p:nvPr>
+            <p:ph type="title"/>
+          </p:nvPr>
+        </p:nvSpPr>
+        <p:spPr/>
+        <p:txBody>
+          <a:bodyPr>
+            <a:normAutofit fontScale="90000"/>
+          </a:bodyPr>
+          <a:lstStyle/>
+          <a:p>
+            <a:r>
+              <a:rPr lang="en-US" dirty="0" smtClean="0"/>
+              <a:t>Rules can conflict - precedence</a:t>
+            </a:r>
+            <a:endParaRPr lang="en-US" dirty="0"/>
+          </a:p>
+        </p:txBody>
+      </p:sp>
+      <p:pic>
+        <p:nvPicPr>
+          <p:cNvPr id="1026" name="Picture 2"/>
+          <p:cNvPicPr>
+            <a:picLocks noChangeAspect="1" noChangeArrowheads="1"/>
+          </p:cNvPicPr>
+          <p:nvPr/>
+        </p:nvPicPr>
+        <p:blipFill>
+          <a:blip r:embed="rId3" cstate="print"/>
+          <a:srcRect l="4511" t="3394" r="2271" b="3273"/>
+          <a:stretch>
+            <a:fillRect/>
+          </a:stretch>
+        </p:blipFill>
+        <p:spPr bwMode="auto">
+          <a:xfrm>
+            <a:off x="2843808" y="3212976"/>
+            <a:ext cx="3621901" cy="3212976"/>
+          </a:xfrm>
+          <a:prstGeom prst="rect">
+            <a:avLst/>
+          </a:prstGeom>
+          <a:noFill/>
+          <a:ln w="9525">
+            <a:noFill/>
+            <a:miter lim="800000"/>
+            <a:headEnd/>
+            <a:tailEnd/>
+          </a:ln>
+        </p:spPr>
+      </p:pic>
+      <p:sp>
+        <p:nvSpPr>
+          <p:cNvPr id="6" name="Tekstboks 5"/>
+          <p:cNvSpPr txBox="1"/>
+          <p:nvPr/>
+        </p:nvSpPr>
+        <p:spPr>
+          <a:xfrm>
+            <a:off x="503040" y="2171765"/>
+            <a:ext cx="8640960" cy="830997"/>
+          </a:xfrm>
+          <a:prstGeom prst="rect">
+            <a:avLst/>
+          </a:prstGeom>
+          <a:noFill/>
+        </p:spPr>
+        <p:txBody>
+          <a:bodyPr wrap="square" rtlCol="0">
+            <a:spAutoFit/>
+          </a:bodyPr>
+          <a:lstStyle/>
+          <a:p>
+            <a:pPr marL="342900" indent="-342900">
+              <a:spcBef>
+                <a:spcPct val="20000"/>
+              </a:spcBef>
+              <a:buFont typeface="Arial" pitchFamily="34" charset="0"/>
+              <a:buChar char="•"/>
+            </a:pPr>
+            <a:r>
+              <a:rPr lang="en-US" sz="2400" dirty="0" smtClean="0"/>
+              <a:t>Precedence over Cannot access controller and Access controller depends on the Condition</a:t>
+            </a:r>
+            <a:endParaRPr lang="en-US" sz="2400" dirty="0"/>
+          </a:p>
+        </p:txBody>
+      </p:sp>
+    </p:spTree>
+    <p:extLst>
+      <p:ext uri="{BB962C8B-B14F-4D97-AF65-F5344CB8AC3E}">
+        <p14:creationId xmlns:p14="http://schemas.microsoft.com/office/powerpoint/2010/main" val="2762975979"/>
+      </p:ext>
+    </p:extLst>
+  </p:cSld>
+  <p:clrMapOvr>
+    <a:masterClrMapping/>
+  </p:clrMapOvr>
+  <p:timing>
+    <p:tnLst>
+      <p:par>
+        <p:cTn id="1" dur="indefinite" restart="never" nodeType="tmRoot"/>
+      </p:par>
+    </p:tnLst>
+  </p:timing>
+</p:sld>
+</file>
+
+<file path=ppt/slides/slide9.xml><?xml version="1.0" encoding="utf-8"?>
+<p:sld xmlns:a="http://schemas.openxmlformats.org/drawingml/2006/main" xmlns:r="http://schemas.openxmlformats.org/officeDocument/2006/relationships" xmlns:p="http://schemas.openxmlformats.org/presentationml/2006/main">
+  <p:cSld>
+    <p:spTree>
+      <p:nvGrpSpPr>
+        <p:cNvPr id="1" name=""/>
+        <p:cNvGrpSpPr/>
+        <p:nvPr/>
+      </p:nvGrpSpPr>
+      <p:grpSpPr>
+        <a:xfrm>
+          <a:off x="0" y="0"/>
+          <a:ext cx="0" cy="0"/>
+          <a:chOff x="0" y="0"/>
+          <a:chExt cx="0" cy="0"/>
+        </a:xfrm>
+      </p:grpSpPr>
+      <p:sp>
+        <p:nvSpPr>
+          <p:cNvPr id="2" name="Titel 1"/>
+          <p:cNvSpPr>
+            <a:spLocks noGrp="1"/>
+          </p:cNvSpPr>
+          <p:nvPr>
+            <p:ph type="title"/>
+          </p:nvPr>
+        </p:nvSpPr>
+        <p:spPr>
+          <a:xfrm>
+            <a:off x="755576" y="476672"/>
+            <a:ext cx="7024744" cy="936104"/>
+          </a:xfrm>
+        </p:spPr>
+        <p:txBody>
+          <a:bodyPr/>
+          <a:lstStyle/>
+          <a:p>
+            <a:r>
+              <a:rPr lang="da-DK" dirty="0" err="1" smtClean="0"/>
+              <a:t>Rules</a:t>
+            </a:r>
+            <a:r>
+              <a:rPr lang="da-DK" dirty="0" smtClean="0"/>
+              <a:t> in the Database</a:t>
+            </a:r>
+            <a:endParaRPr lang="da-DK" dirty="0"/>
+          </a:p>
+        </p:txBody>
+      </p:sp>
+      <p:pic>
+        <p:nvPicPr>
+          <p:cNvPr id="7" name="Picture 2" descr="C:\Users\Lisbeth Nielsen\Documents\GitHub\SmartHouse\report\images\ERdiagram.jpg"/>
+          <p:cNvPicPr>
+            <a:picLocks noGrp="1" noChangeAspect="1" noChangeArrowheads="1"/>
+          </p:cNvPicPr>
+          <p:nvPr>
+            <p:ph idx="1"/>
+          </p:nvPr>
+        </p:nvPicPr>
+        <p:blipFill>
+          <a:blip r:embed="rId2" cstate="print"/>
+          <a:srcRect l="5124" t="10178" r="1919" b="3908"/>
+          <a:stretch>
+            <a:fillRect/>
+          </a:stretch>
+        </p:blipFill>
+        <p:spPr bwMode="auto">
+          <a:xfrm>
+            <a:off x="467544" y="1315602"/>
+            <a:ext cx="8280920" cy="5139854"/>
+          </a:xfrm>
+          <a:prstGeom prst="rect">
+            <a:avLst/>
+          </a:prstGeom>
+          <a:noFill/>
+        </p:spPr>
+      </p:pic>
+    </p:spTree>
+    <p:extLst>
+      <p:ext uri="{BB962C8B-B14F-4D97-AF65-F5344CB8AC3E}">
+        <p14:creationId xmlns:p14="http://schemas.microsoft.com/office/powerpoint/2010/main" val="1240321634"/>
       </p:ext>
     </p:extLst>
   </p:cSld>
@@ -14898,4 +18175,289 @@
   <a:objectDefaults/>
   <a:extraClrSchemeLst/>
 </a:theme>
+</file>
+
+<file path=ppt/theme/theme2.xml><?xml version="1.0" encoding="utf-8"?>
+<a:theme xmlns:a="http://schemas.openxmlformats.org/drawingml/2006/main" name="Office Theme">
+  <a:themeElements>
+    <a:clrScheme name="Office">
+      <a:dk1>
+        <a:sysClr val="windowText" lastClr="000000"/>
+      </a:dk1>
+      <a:lt1>
+        <a:sysClr val="window" lastClr="FFFFFF"/>
+      </a:lt1>
+      <a:dk2>
+        <a:srgbClr val="1F497D"/>
+      </a:dk2>
+      <a:lt2>
+        <a:srgbClr val="EEECE1"/>
+      </a:lt2>
+      <a:accent1>
+        <a:srgbClr val="4F81BD"/>
+      </a:accent1>
+      <a:accent2>
+        <a:srgbClr val="C0504D"/>
+      </a:accent2>
+      <a:accent3>
+        <a:srgbClr val="9BBB59"/>
+      </a:accent3>
+      <a:accent4>
+        <a:srgbClr val="8064A2"/>
+      </a:accent4>
+      <a:accent5>
+        <a:srgbClr val="4BACC6"/>
+      </a:accent5>
+      <a:accent6>
+        <a:srgbClr val="F79646"/>
+      </a:accent6>
+      <a:hlink>
+        <a:srgbClr val="0000FF"/>
+      </a:hlink>
+      <a:folHlink>
+        <a:srgbClr val="800080"/>
+      </a:folHlink>
+    </a:clrScheme>
+    <a:fontScheme name="Office">
+      <a:majorFont>
+        <a:latin typeface="Calibri"/>
+        <a:ea typeface=""/>
+        <a:cs typeface=""/>
+        <a:font script="Jpan" typeface="ＭＳ Ｐゴシック"/>
+        <a:font script="Hang" typeface="맑은 고딕"/>
+        <a:font script="Hans" typeface="宋体"/>
+        <a:font script="Hant" typeface="新細明體"/>
+        <a:font script="Arab" typeface="Times New Roman"/>
+        <a:font script="Hebr" typeface="Times New Roman"/>
+        <a:font script="Thai" typeface="Angsana New"/>
+        <a:font script="Ethi" typeface="Nyala"/>
+        <a:font script="Beng" typeface="Vrinda"/>
+        <a:font script="Gujr" typeface="Shruti"/>
+        <a:font script="Khmr" typeface="MoolBoran"/>
+        <a:font script="Knda" typeface="Tunga"/>
+        <a:font script="Guru" typeface="Raavi"/>
+        <a:font script="Cans" typeface="Euphemia"/>
+        <a:font script="Cher" typeface="Plantagenet Cherokee"/>
+        <a:font script="Yiii" typeface="Microsoft Yi Baiti"/>
+        <a:font script="Tibt" typeface="Microsoft Himalaya"/>
+        <a:font script="Thaa" typeface="MV Boli"/>
+        <a:font script="Deva" typeface="Mangal"/>
+        <a:font script="Telu" typeface="Gautami"/>
+        <a:font script="Taml" typeface="Latha"/>
+        <a:font script="Syrc" typeface="Estrangelo Edessa"/>
+        <a:font script="Orya" typeface="Kalinga"/>
+        <a:font script="Mlym" typeface="Kartika"/>
+        <a:font script="Laoo" typeface="DokChampa"/>
+        <a:font script="Sinh" typeface="Iskoola Pota"/>
+        <a:font script="Mong" typeface="Mongolian Baiti"/>
+        <a:font script="Viet" typeface="Times New Roman"/>
+        <a:font script="Uigh" typeface="Microsoft Uighur"/>
+        <a:font script="Geor" typeface="Sylfaen"/>
+      </a:majorFont>
+      <a:minorFont>
+        <a:latin typeface="Calibri"/>
+        <a:ea typeface=""/>
+        <a:cs typeface=""/>
+        <a:font script="Jpan" typeface="ＭＳ Ｐゴシック"/>
+        <a:font script="Hang" typeface="맑은 고딕"/>
+        <a:font script="Hans" typeface="宋体"/>
+        <a:font script="Hant" typeface="新細明體"/>
+        <a:font script="Arab" typeface="Arial"/>
+        <a:font script="Hebr" typeface="Arial"/>
+        <a:font script="Thai" typeface="Cordia New"/>
+        <a:font script="Ethi" typeface="Nyala"/>
+        <a:font script="Beng" typeface="Vrinda"/>
+        <a:font script="Gujr" typeface="Shruti"/>
+        <a:font script="Khmr" typeface="DaunPenh"/>
+        <a:font script="Knda" typeface="Tunga"/>
+        <a:font script="Guru" typeface="Raavi"/>
+        <a:font script="Cans" typeface="Euphemia"/>
+        <a:font script="Cher" typeface="Plantagenet Cherokee"/>
+        <a:font script="Yiii" typeface="Microsoft Yi Baiti"/>
+        <a:font script="Tibt" typeface="Microsoft Himalaya"/>
+        <a:font script="Thaa" typeface="MV Boli"/>
+        <a:font script="Deva" typeface="Mangal"/>
+        <a:font script="Telu" typeface="Gautami"/>
+        <a:font script="Taml" typeface="Latha"/>
+        <a:font script="Syrc" typeface="Estrangelo Edessa"/>
+        <a:font script="Orya" typeface="Kalinga"/>
+        <a:font script="Mlym" typeface="Kartika"/>
+        <a:font script="Laoo" typeface="DokChampa"/>
+        <a:font script="Sinh" typeface="Iskoola Pota"/>
+        <a:font script="Mong" typeface="Mongolian Baiti"/>
+        <a:font script="Viet" typeface="Arial"/>
+        <a:font script="Uigh" typeface="Microsoft Uighur"/>
+        <a:font script="Geor" typeface="Sylfaen"/>
+      </a:minorFont>
+    </a:fontScheme>
+    <a:fmtScheme name="Office">
+      <a:fillStyleLst>
+        <a:solidFill>
+          <a:schemeClr val="phClr"/>
+        </a:solidFill>
+        <a:gradFill rotWithShape="1">
+          <a:gsLst>
+            <a:gs pos="0">
+              <a:schemeClr val="phClr">
+                <a:tint val="50000"/>
+                <a:satMod val="300000"/>
+              </a:schemeClr>
+            </a:gs>
+            <a:gs pos="35000">
+              <a:schemeClr val="phClr">
+                <a:tint val="37000"/>
+                <a:satMod val="300000"/>
+              </a:schemeClr>
+            </a:gs>
+            <a:gs pos="100000">
+              <a:schemeClr val="phClr">
+                <a:tint val="15000"/>
+                <a:satMod val="350000"/>
+              </a:schemeClr>
+            </a:gs>
+          </a:gsLst>
+          <a:lin ang="16200000" scaled="1"/>
+        </a:gradFill>
+        <a:gradFill rotWithShape="1">
+          <a:gsLst>
+            <a:gs pos="0">
+              <a:schemeClr val="phClr">
+                <a:shade val="51000"/>
+                <a:satMod val="130000"/>
+              </a:schemeClr>
+            </a:gs>
+            <a:gs pos="80000">
+              <a:schemeClr val="phClr">
+                <a:shade val="93000"/>
+                <a:satMod val="130000"/>
+              </a:schemeClr>
+            </a:gs>
+            <a:gs pos="100000">
+              <a:schemeClr val="phClr">
+                <a:shade val="94000"/>
+                <a:satMod val="135000"/>
+              </a:schemeClr>
+            </a:gs>
+          </a:gsLst>
+          <a:lin ang="16200000" scaled="0"/>
+        </a:gradFill>
+      </a:fillStyleLst>
+      <a:lnStyleLst>
+        <a:ln w="9525" cap="flat" cmpd="sng" algn="ctr">
+          <a:solidFill>
+            <a:schemeClr val="phClr">
+              <a:shade val="95000"/>
+              <a:satMod val="105000"/>
+            </a:schemeClr>
+          </a:solidFill>
+          <a:prstDash val="solid"/>
+        </a:ln>
+        <a:ln w="25400" cap="flat" cmpd="sng" algn="ctr">
+          <a:solidFill>
+            <a:schemeClr val="phClr"/>
+          </a:solidFill>
+          <a:prstDash val="solid"/>
+        </a:ln>
+        <a:ln w="38100" cap="flat" cmpd="sng" algn="ctr">
+          <a:solidFill>
+            <a:schemeClr val="phClr"/>
+          </a:solidFill>
+          <a:prstDash val="solid"/>
+        </a:ln>
+      </a:lnStyleLst>
+      <a:effectStyleLst>
+        <a:effectStyle>
+          <a:effectLst>
+            <a:outerShdw blurRad="40000" dist="20000" dir="5400000" rotWithShape="0">
+              <a:srgbClr val="000000">
+                <a:alpha val="38000"/>
+              </a:srgbClr>
+            </a:outerShdw>
+          </a:effectLst>
+        </a:effectStyle>
+        <a:effectStyle>
+          <a:effectLst>
+            <a:outerShdw blurRad="40000" dist="23000" dir="5400000" rotWithShape="0">
+              <a:srgbClr val="000000">
+                <a:alpha val="35000"/>
+              </a:srgbClr>
+            </a:outerShdw>
+          </a:effectLst>
+        </a:effectStyle>
+        <a:effectStyle>
+          <a:effectLst>
+            <a:outerShdw blurRad="40000" dist="23000" dir="5400000" rotWithShape="0">
+              <a:srgbClr val="000000">
+                <a:alpha val="35000"/>
+              </a:srgbClr>
+            </a:outerShdw>
+          </a:effectLst>
+          <a:scene3d>
+            <a:camera prst="orthographicFront">
+              <a:rot lat="0" lon="0" rev="0"/>
+            </a:camera>
+            <a:lightRig rig="threePt" dir="t">
+              <a:rot lat="0" lon="0" rev="1200000"/>
+            </a:lightRig>
+          </a:scene3d>
+          <a:sp3d>
+            <a:bevelT w="63500" h="25400"/>
+          </a:sp3d>
+        </a:effectStyle>
+      </a:effectStyleLst>
+      <a:bgFillStyleLst>
+        <a:solidFill>
+          <a:schemeClr val="phClr"/>
+        </a:solidFill>
+        <a:gradFill rotWithShape="1">
+          <a:gsLst>
+            <a:gs pos="0">
+              <a:schemeClr val="phClr">
+                <a:tint val="40000"/>
+                <a:satMod val="350000"/>
+              </a:schemeClr>
+            </a:gs>
+            <a:gs pos="40000">
+              <a:schemeClr val="phClr">
+                <a:tint val="45000"/>
+                <a:shade val="99000"/>
+                <a:satMod val="350000"/>
+              </a:schemeClr>
+            </a:gs>
+            <a:gs pos="100000">
+              <a:schemeClr val="phClr">
+                <a:shade val="20000"/>
+                <a:satMod val="255000"/>
+              </a:schemeClr>
+            </a:gs>
+          </a:gsLst>
+          <a:path path="circle">
+            <a:fillToRect l="50000" t="-80000" r="50000" b="180000"/>
+          </a:path>
+        </a:gradFill>
+        <a:gradFill rotWithShape="1">
+          <a:gsLst>
+            <a:gs pos="0">
+              <a:schemeClr val="phClr">
+                <a:tint val="80000"/>
+                <a:satMod val="300000"/>
+              </a:schemeClr>
+            </a:gs>
+            <a:gs pos="100000">
+              <a:schemeClr val="phClr">
+                <a:shade val="30000"/>
+                <a:satMod val="200000"/>
+              </a:schemeClr>
+            </a:gs>
+          </a:gsLst>
+          <a:path path="circle">
+            <a:fillToRect l="50000" t="50000" r="50000" b="50000"/>
+          </a:path>
+        </a:gradFill>
+      </a:bgFillStyleLst>
+    </a:fmtScheme>
+  </a:themeElements>
+  <a:objectDefaults/>
+  <a:extraClrSchemeLst/>
+</a:theme>
 </file>